--- a/Core_values_-_Team_Optimus-1.pptx
+++ b/Core_values_-_Team_Optimus-1.pptx
@@ -9,8 +9,8 @@
     <p:sldId id="257" r:id="rId3"/>
     <p:sldId id="261" r:id="rId4"/>
     <p:sldId id="264" r:id="rId5"/>
-    <p:sldId id="265" r:id="rId6"/>
-    <p:sldId id="266" r:id="rId7"/>
+    <p:sldId id="270" r:id="rId6"/>
+    <p:sldId id="271" r:id="rId7"/>
     <p:sldId id="262" r:id="rId8"/>
     <p:sldId id="267" r:id="rId9"/>
     <p:sldId id="268" r:id="rId10"/>
@@ -254,7 +254,7 @@
           <a:p>
             <a:fld id="{63A1C593-65D0-4073-BCC9-577B9352EA97}" type="datetimeFigureOut">
               <a:rPr lang="en-US" smtClean="0"/>
-              <a:t>2/28/2023</a:t>
+              <a:t>3/1/2023</a:t>
             </a:fld>
             <a:endParaRPr lang="en-US"/>
           </a:p>
@@ -417,7 +417,7 @@
           <a:p>
             <a:fld id="{63A1C593-65D0-4073-BCC9-577B9352EA97}" type="datetimeFigureOut">
               <a:rPr lang="en-US" smtClean="0"/>
-              <a:t>2/28/2023</a:t>
+              <a:t>3/1/2023</a:t>
             </a:fld>
             <a:endParaRPr lang="en-US"/>
           </a:p>
@@ -590,7 +590,7 @@
           <a:p>
             <a:fld id="{63A1C593-65D0-4073-BCC9-577B9352EA97}" type="datetimeFigureOut">
               <a:rPr lang="en-US" smtClean="0"/>
-              <a:t>2/28/2023</a:t>
+              <a:t>3/1/2023</a:t>
             </a:fld>
             <a:endParaRPr lang="en-US"/>
           </a:p>
@@ -753,7 +753,7 @@
           <a:p>
             <a:fld id="{63A1C593-65D0-4073-BCC9-577B9352EA97}" type="datetimeFigureOut">
               <a:rPr lang="en-US" smtClean="0"/>
-              <a:t>2/28/2023</a:t>
+              <a:t>3/1/2023</a:t>
             </a:fld>
             <a:endParaRPr lang="en-US"/>
           </a:p>
@@ -916,7 +916,7 @@
           <a:p>
             <a:fld id="{63A1C593-65D0-4073-BCC9-577B9352EA97}" type="datetimeFigureOut">
               <a:rPr lang="en-US" smtClean="0"/>
-              <a:t>2/28/2023</a:t>
+              <a:t>3/1/2023</a:t>
             </a:fld>
             <a:endParaRPr lang="en-US"/>
           </a:p>
@@ -1156,7 +1156,7 @@
           <a:p>
             <a:fld id="{63A1C593-65D0-4073-BCC9-577B9352EA97}" type="datetimeFigureOut">
               <a:rPr lang="en-US" smtClean="0"/>
-              <a:t>2/28/2023</a:t>
+              <a:t>3/1/2023</a:t>
             </a:fld>
             <a:endParaRPr lang="en-US"/>
           </a:p>
@@ -1380,7 +1380,7 @@
           <a:p>
             <a:fld id="{63A1C593-65D0-4073-BCC9-577B9352EA97}" type="datetimeFigureOut">
               <a:rPr lang="en-US" smtClean="0"/>
-              <a:t>2/28/2023</a:t>
+              <a:t>3/1/2023</a:t>
             </a:fld>
             <a:endParaRPr lang="en-US"/>
           </a:p>
@@ -1739,7 +1739,7 @@
           <a:p>
             <a:fld id="{63A1C593-65D0-4073-BCC9-577B9352EA97}" type="datetimeFigureOut">
               <a:rPr lang="en-US" smtClean="0"/>
-              <a:t>2/28/2023</a:t>
+              <a:t>3/1/2023</a:t>
             </a:fld>
             <a:endParaRPr lang="en-US"/>
           </a:p>
@@ -1851,7 +1851,7 @@
           <a:p>
             <a:fld id="{63A1C593-65D0-4073-BCC9-577B9352EA97}" type="datetimeFigureOut">
               <a:rPr lang="en-US" smtClean="0"/>
-              <a:t>2/28/2023</a:t>
+              <a:t>3/1/2023</a:t>
             </a:fld>
             <a:endParaRPr lang="en-US"/>
           </a:p>
@@ -1941,7 +1941,7 @@
           <a:p>
             <a:fld id="{63A1C593-65D0-4073-BCC9-577B9352EA97}" type="datetimeFigureOut">
               <a:rPr lang="en-US" smtClean="0"/>
-              <a:t>2/28/2023</a:t>
+              <a:t>3/1/2023</a:t>
             </a:fld>
             <a:endParaRPr lang="en-US"/>
           </a:p>
@@ -2211,7 +2211,7 @@
           <a:p>
             <a:fld id="{63A1C593-65D0-4073-BCC9-577B9352EA97}" type="datetimeFigureOut">
               <a:rPr lang="en-US" smtClean="0"/>
-              <a:t>2/28/2023</a:t>
+              <a:t>3/1/2023</a:t>
             </a:fld>
             <a:endParaRPr lang="en-US"/>
           </a:p>
@@ -2458,7 +2458,7 @@
           <a:p>
             <a:fld id="{63A1C593-65D0-4073-BCC9-577B9352EA97}" type="datetimeFigureOut">
               <a:rPr lang="en-US" smtClean="0"/>
-              <a:t>2/28/2023</a:t>
+              <a:t>3/1/2023</a:t>
             </a:fld>
             <a:endParaRPr lang="en-US"/>
           </a:p>
@@ -2664,7 +2664,7 @@
           <a:p>
             <a:fld id="{63A1C593-65D0-4073-BCC9-577B9352EA97}" type="datetimeFigureOut">
               <a:rPr lang="en-US" smtClean="0"/>
-              <a:t>2/28/2023</a:t>
+              <a:t>3/1/2023</a:t>
             </a:fld>
             <a:endParaRPr lang="en-US"/>
           </a:p>
@@ -4155,8 +4155,8 @@
           </a:p>
         </p:txBody>
       </p:sp>
-      <mc:AlternateContent xmlns:mc="http://schemas.openxmlformats.org/markup-compatibility/2006">
-        <mc:Choice xmlns:pslz="http://schemas.microsoft.com/office/powerpoint/2016/slidezoom" Requires="pslz">
+      <mc:AlternateContent xmlns:mc="http://schemas.openxmlformats.org/markup-compatibility/2006" xmlns:pslz="http://schemas.microsoft.com/office/powerpoint/2016/slidezoom">
+        <mc:Choice Requires="pslz">
           <p:graphicFrame>
             <p:nvGraphicFramePr>
               <p:cNvPr id="3" name="Slide Zoom 2">
@@ -4214,7 +4214,7 @@
             </a:graphic>
           </p:graphicFrame>
         </mc:Choice>
-        <mc:Fallback>
+        <mc:Fallback xmlns="">
           <p:pic>
             <p:nvPicPr>
               <p:cNvPr id="3" name="Slide Zoom 2">
@@ -4231,7 +4231,7 @@
               <p:nvPr/>
             </p:nvPicPr>
             <p:blipFill>
-              <a:blip r:embed="rId5" cstate="print">
+              <a:blip r:embed="rId7" cstate="print">
                 <a:extLst>
                   <a:ext uri="{28A0092B-C50C-407E-A947-70E740481C1C}">
                     <a14:useLocalDpi xmlns:a14="http://schemas.microsoft.com/office/drawing/2010/main" val="0"/>
@@ -4254,8 +4254,8 @@
           </p:pic>
         </mc:Fallback>
       </mc:AlternateContent>
-      <mc:AlternateContent xmlns:mc="http://schemas.openxmlformats.org/markup-compatibility/2006">
-        <mc:Choice xmlns:pslz="http://schemas.microsoft.com/office/powerpoint/2016/slidezoom" Requires="pslz">
+      <mc:AlternateContent xmlns:mc="http://schemas.openxmlformats.org/markup-compatibility/2006" xmlns:pslz="http://schemas.microsoft.com/office/powerpoint/2016/slidezoom">
+        <mc:Choice Requires="pslz">
           <p:graphicFrame>
             <p:nvGraphicFramePr>
               <p:cNvPr id="6" name="Slide Zoom 5">
@@ -4286,7 +4286,7 @@
                   <pslz:sldZmObj sldId="257" cId="0">
                     <pslz:zmPr id="{77BCCBF6-990F-44F9-BA45-6B3CC9F48BC4}" imageType="cover" transitionDur="1000" showBg="0">
                       <p166:blipFill xmlns:p166="http://schemas.microsoft.com/office/powerpoint/2016/6/main">
-                        <a:blip r:embed="rId7">
+                        <a:blip r:embed="rId8">
                           <a:extLst>
                             <a:ext uri="{28A0092B-C50C-407E-A947-70E740481C1C}">
                               <a14:useLocalDpi xmlns:a14="http://schemas.microsoft.com/office/drawing/2010/main" val="0"/>
@@ -4313,11 +4313,11 @@
             </a:graphic>
           </p:graphicFrame>
         </mc:Choice>
-        <mc:Fallback>
+        <mc:Fallback xmlns="">
           <p:pic>
             <p:nvPicPr>
               <p:cNvPr id="6" name="Slide Zoom 5">
-                <a:hlinkClick r:id="rId8" action="ppaction://hlinksldjump"/>
+                <a:hlinkClick r:id="rId9" action="ppaction://hlinksldjump"/>
                 <a:extLst>
                   <a:ext uri="{FF2B5EF4-FFF2-40B4-BE49-F238E27FC236}">
                     <a16:creationId xmlns:a16="http://schemas.microsoft.com/office/drawing/2014/main" id="{CAF1D308-FF19-2172-7FFB-BDF6759DA518}"/>
@@ -4330,7 +4330,7 @@
               <p:nvPr/>
             </p:nvPicPr>
             <p:blipFill>
-              <a:blip r:embed="rId7">
+              <a:blip r:embed="rId10">
                 <a:extLst>
                   <a:ext uri="{28A0092B-C50C-407E-A947-70E740481C1C}">
                     <a14:useLocalDpi xmlns:a14="http://schemas.microsoft.com/office/drawing/2010/main" val="0"/>
@@ -4353,8 +4353,8 @@
           </p:pic>
         </mc:Fallback>
       </mc:AlternateContent>
-      <mc:AlternateContent xmlns:mc="http://schemas.openxmlformats.org/markup-compatibility/2006">
-        <mc:Choice xmlns:pslz="http://schemas.microsoft.com/office/powerpoint/2016/slidezoom" Requires="pslz">
+      <mc:AlternateContent xmlns:mc="http://schemas.openxmlformats.org/markup-compatibility/2006" xmlns:pslz="http://schemas.microsoft.com/office/powerpoint/2016/slidezoom">
+        <mc:Choice Requires="pslz">
           <p:graphicFrame>
             <p:nvGraphicFramePr>
               <p:cNvPr id="17" name="Slide Zoom 16">
@@ -4385,7 +4385,7 @@
                   <pslz:sldZmObj sldId="261" cId="0">
                     <pslz:zmPr id="{0908DD98-D88B-4601-9B5D-3E6CEE265BF7}" imageType="cover" transitionDur="1000" showBg="0">
                       <p166:blipFill xmlns:p166="http://schemas.microsoft.com/office/powerpoint/2016/6/main">
-                        <a:blip r:embed="rId9">
+                        <a:blip r:embed="rId11">
                           <a:extLst>
                             <a:ext uri="{28A0092B-C50C-407E-A947-70E740481C1C}">
                               <a14:useLocalDpi xmlns:a14="http://schemas.microsoft.com/office/drawing/2010/main" val="0"/>
@@ -4412,11 +4412,11 @@
             </a:graphic>
           </p:graphicFrame>
         </mc:Choice>
-        <mc:Fallback>
+        <mc:Fallback xmlns="">
           <p:pic>
             <p:nvPicPr>
               <p:cNvPr id="17" name="Slide Zoom 16">
-                <a:hlinkClick r:id="rId10" action="ppaction://hlinksldjump"/>
+                <a:hlinkClick r:id="rId12" action="ppaction://hlinksldjump"/>
                 <a:extLst>
                   <a:ext uri="{FF2B5EF4-FFF2-40B4-BE49-F238E27FC236}">
                     <a16:creationId xmlns:a16="http://schemas.microsoft.com/office/drawing/2014/main" id="{A0D7B2B4-073A-6F7C-8E92-B9167C18960B}"/>
@@ -4429,7 +4429,7 @@
               <p:nvPr/>
             </p:nvPicPr>
             <p:blipFill>
-              <a:blip r:embed="rId9">
+              <a:blip r:embed="rId13">
                 <a:extLst>
                   <a:ext uri="{28A0092B-C50C-407E-A947-70E740481C1C}">
                     <a14:useLocalDpi xmlns:a14="http://schemas.microsoft.com/office/drawing/2010/main" val="0"/>
@@ -5323,7 +5323,7 @@
                 <a:solidFill>
                   <a:schemeClr val="bg1"/>
                 </a:solidFill>
-                <a:latin typeface="+mj-lt"/>
+                <a:latin typeface="Corbel" panose="020B0503020204020204" pitchFamily="34" charset="0"/>
                 <a:ea typeface="+mj-ea"/>
                 <a:cs typeface="+mj-cs"/>
               </a:rPr>
@@ -5709,7 +5709,7 @@
                 <a:solidFill>
                   <a:schemeClr val="bg1"/>
                 </a:solidFill>
-                <a:latin typeface="+mj-lt"/>
+                <a:latin typeface="Corbel" panose="020B0503020204020204" pitchFamily="34" charset="0"/>
                 <a:ea typeface="+mj-ea"/>
                 <a:cs typeface="+mj-cs"/>
               </a:rPr>
@@ -6088,7 +6088,7 @@
                 <a:solidFill>
                   <a:schemeClr val="bg1"/>
                 </a:solidFill>
-                <a:latin typeface="+mj-lt"/>
+                <a:latin typeface="Corbel" panose="020B0503020204020204" pitchFamily="34" charset="0"/>
                 <a:ea typeface="+mj-ea"/>
                 <a:cs typeface="+mj-cs"/>
               </a:rPr>
@@ -7080,8 +7080,8 @@
           </a:fontRef>
         </p:style>
       </p:cxnSp>
-      <mc:AlternateContent xmlns:mc="http://schemas.openxmlformats.org/markup-compatibility/2006">
-        <mc:Choice xmlns:pslz="http://schemas.microsoft.com/office/powerpoint/2016/slidezoom" Requires="pslz">
+      <mc:AlternateContent xmlns:mc="http://schemas.openxmlformats.org/markup-compatibility/2006" xmlns:pslz="http://schemas.microsoft.com/office/powerpoint/2016/slidezoom">
+        <mc:Choice Requires="pslz">
           <p:graphicFrame>
             <p:nvGraphicFramePr>
               <p:cNvPr id="3" name="Slide Zoom 2">
@@ -7139,7 +7139,7 @@
             </a:graphic>
           </p:graphicFrame>
         </mc:Choice>
-        <mc:Fallback>
+        <mc:Fallback xmlns="">
           <p:pic>
             <p:nvPicPr>
               <p:cNvPr id="3" name="Slide Zoom 2">
@@ -7156,7 +7156,7 @@
               <p:nvPr/>
             </p:nvPicPr>
             <p:blipFill>
-              <a:blip r:embed="rId2" cstate="print">
+              <a:blip r:embed="rId4" cstate="print">
                 <a:extLst>
                   <a:ext uri="{28A0092B-C50C-407E-A947-70E740481C1C}">
                     <a14:useLocalDpi xmlns:a14="http://schemas.microsoft.com/office/drawing/2010/main" val="0"/>
@@ -7179,8 +7179,8 @@
           </p:pic>
         </mc:Fallback>
       </mc:AlternateContent>
-      <mc:AlternateContent xmlns:mc="http://schemas.openxmlformats.org/markup-compatibility/2006">
-        <mc:Choice xmlns:pslz="http://schemas.microsoft.com/office/powerpoint/2016/slidezoom" Requires="pslz">
+      <mc:AlternateContent xmlns:mc="http://schemas.openxmlformats.org/markup-compatibility/2006" xmlns:pslz="http://schemas.microsoft.com/office/powerpoint/2016/slidezoom">
+        <mc:Choice Requires="pslz">
           <p:graphicFrame>
             <p:nvGraphicFramePr>
               <p:cNvPr id="5" name="Slide Zoom 4">
@@ -7211,7 +7211,7 @@
                   <pslz:sldZmObj sldId="259" cId="0">
                     <pslz:zmPr id="{1DC0EFB3-B09D-4D13-8BB2-43D6E9E10530}" imageType="cover" transitionDur="1000" showBg="0">
                       <p166:blipFill xmlns:p166="http://schemas.microsoft.com/office/powerpoint/2016/6/main">
-                        <a:blip r:embed="rId4" cstate="print">
+                        <a:blip r:embed="rId5" cstate="print">
                           <a:extLst>
                             <a:ext uri="{28A0092B-C50C-407E-A947-70E740481C1C}">
                               <a14:useLocalDpi xmlns:a14="http://schemas.microsoft.com/office/drawing/2010/main" val="0"/>
@@ -7238,11 +7238,11 @@
             </a:graphic>
           </p:graphicFrame>
         </mc:Choice>
-        <mc:Fallback>
+        <mc:Fallback xmlns="">
           <p:pic>
             <p:nvPicPr>
               <p:cNvPr id="5" name="Slide Zoom 4">
-                <a:hlinkClick r:id="rId5" action="ppaction://hlinksldjump"/>
+                <a:hlinkClick r:id="rId6" action="ppaction://hlinksldjump"/>
                 <a:extLst>
                   <a:ext uri="{FF2B5EF4-FFF2-40B4-BE49-F238E27FC236}">
                     <a16:creationId xmlns:a16="http://schemas.microsoft.com/office/drawing/2014/main" id="{8522FDAF-6A5A-1A64-6108-D937D58B0006}"/>
@@ -7255,7 +7255,7 @@
               <p:nvPr/>
             </p:nvPicPr>
             <p:blipFill>
-              <a:blip r:embed="rId4" cstate="print">
+              <a:blip r:embed="rId7" cstate="print">
                 <a:extLst>
                   <a:ext uri="{28A0092B-C50C-407E-A947-70E740481C1C}">
                     <a14:useLocalDpi xmlns:a14="http://schemas.microsoft.com/office/drawing/2010/main" val="0"/>
@@ -7278,8 +7278,8 @@
           </p:pic>
         </mc:Fallback>
       </mc:AlternateContent>
-      <mc:AlternateContent xmlns:mc="http://schemas.openxmlformats.org/markup-compatibility/2006">
-        <mc:Choice xmlns:pslz="http://schemas.microsoft.com/office/powerpoint/2016/slidezoom" Requires="pslz">
+      <mc:AlternateContent xmlns:mc="http://schemas.openxmlformats.org/markup-compatibility/2006" xmlns:pslz="http://schemas.microsoft.com/office/powerpoint/2016/slidezoom">
+        <mc:Choice Requires="pslz">
           <p:graphicFrame>
             <p:nvGraphicFramePr>
               <p:cNvPr id="10" name="Slide Zoom 9">
@@ -7310,7 +7310,7 @@
                   <pslz:sldZmObj sldId="260" cId="0">
                     <pslz:zmPr id="{DE9BD87E-E1A1-4A81-AEF5-9ECD296E51A8}" imageType="cover" transitionDur="1000" showBg="0">
                       <p166:blipFill xmlns:p166="http://schemas.microsoft.com/office/powerpoint/2016/6/main">
-                        <a:blip r:embed="rId6">
+                        <a:blip r:embed="rId8">
                           <a:extLst>
                             <a:ext uri="{28A0092B-C50C-407E-A947-70E740481C1C}">
                               <a14:useLocalDpi xmlns:a14="http://schemas.microsoft.com/office/drawing/2010/main" val="0"/>
@@ -7337,11 +7337,11 @@
             </a:graphic>
           </p:graphicFrame>
         </mc:Choice>
-        <mc:Fallback>
+        <mc:Fallback xmlns="">
           <p:pic>
             <p:nvPicPr>
               <p:cNvPr id="10" name="Slide Zoom 9">
-                <a:hlinkClick r:id="rId7" action="ppaction://hlinksldjump"/>
+                <a:hlinkClick r:id="rId9" action="ppaction://hlinksldjump"/>
                 <a:extLst>
                   <a:ext uri="{FF2B5EF4-FFF2-40B4-BE49-F238E27FC236}">
                     <a16:creationId xmlns:a16="http://schemas.microsoft.com/office/drawing/2014/main" id="{B5337AC9-15A0-DB9F-D2DF-F8A24CA553E0}"/>
@@ -7354,7 +7354,7 @@
               <p:nvPr/>
             </p:nvPicPr>
             <p:blipFill>
-              <a:blip r:embed="rId6">
+              <a:blip r:embed="rId10">
                 <a:extLst>
                   <a:ext uri="{28A0092B-C50C-407E-A947-70E740481C1C}">
                     <a14:useLocalDpi xmlns:a14="http://schemas.microsoft.com/office/drawing/2010/main" val="0"/>
@@ -7828,8 +7828,8 @@
           </p:txBody>
         </p:sp>
       </p:grpSp>
-      <mc:AlternateContent xmlns:mc="http://schemas.openxmlformats.org/markup-compatibility/2006">
-        <mc:Choice xmlns:pslz="http://schemas.microsoft.com/office/powerpoint/2016/slidezoom" Requires="pslz">
+      <mc:AlternateContent xmlns:mc="http://schemas.openxmlformats.org/markup-compatibility/2006" xmlns:pslz="http://schemas.microsoft.com/office/powerpoint/2016/slidezoom">
+        <mc:Choice Requires="pslz">
           <p:graphicFrame>
             <p:nvGraphicFramePr>
               <p:cNvPr id="4" name="Slide Zoom 3">
@@ -7887,7 +7887,7 @@
             </a:graphic>
           </p:graphicFrame>
         </mc:Choice>
-        <mc:Fallback>
+        <mc:Fallback xmlns="">
           <p:pic>
             <p:nvPicPr>
               <p:cNvPr id="4" name="Slide Zoom 3">
@@ -7904,7 +7904,7 @@
               <p:nvPr/>
             </p:nvPicPr>
             <p:blipFill>
-              <a:blip r:embed="rId2" cstate="print">
+              <a:blip r:embed="rId4" cstate="print">
                 <a:extLst>
                   <a:ext uri="{28A0092B-C50C-407E-A947-70E740481C1C}">
                     <a14:useLocalDpi xmlns:a14="http://schemas.microsoft.com/office/drawing/2010/main" val="0"/>
@@ -7927,8 +7927,8 @@
           </p:pic>
         </mc:Fallback>
       </mc:AlternateContent>
-      <mc:AlternateContent xmlns:mc="http://schemas.openxmlformats.org/markup-compatibility/2006">
-        <mc:Choice xmlns:pslz="http://schemas.microsoft.com/office/powerpoint/2016/slidezoom" Requires="pslz">
+      <mc:AlternateContent xmlns:mc="http://schemas.openxmlformats.org/markup-compatibility/2006" xmlns:pslz="http://schemas.microsoft.com/office/powerpoint/2016/slidezoom">
+        <mc:Choice Requires="pslz">
           <p:graphicFrame>
             <p:nvGraphicFramePr>
               <p:cNvPr id="12" name="Slide Zoom 11">
@@ -7959,7 +7959,7 @@
                   <pslz:sldZmObj sldId="265" cId="1400815414">
                     <pslz:zmPr id="{80E2328E-4117-4066-AB61-BEFDF5D298A5}" imageType="cover" transitionDur="1000" showBg="0">
                       <p166:blipFill xmlns:p166="http://schemas.microsoft.com/office/powerpoint/2016/6/main">
-                        <a:blip r:embed="rId4" cstate="print">
+                        <a:blip r:embed="rId5" cstate="print">
                           <a:extLst>
                             <a:ext uri="{28A0092B-C50C-407E-A947-70E740481C1C}">
                               <a14:useLocalDpi xmlns:a14="http://schemas.microsoft.com/office/drawing/2010/main" val="0"/>
@@ -7986,11 +7986,11 @@
             </a:graphic>
           </p:graphicFrame>
         </mc:Choice>
-        <mc:Fallback>
+        <mc:Fallback xmlns="">
           <p:pic>
             <p:nvPicPr>
               <p:cNvPr id="12" name="Slide Zoom 11">
-                <a:hlinkClick r:id="rId5" action="ppaction://hlinksldjump"/>
+                <a:hlinkClick r:id="rId6" action="ppaction://hlinksldjump"/>
                 <a:extLst>
                   <a:ext uri="{FF2B5EF4-FFF2-40B4-BE49-F238E27FC236}">
                     <a16:creationId xmlns:a16="http://schemas.microsoft.com/office/drawing/2014/main" id="{22E18846-BFC8-B15C-D8AB-614F2842B83D}"/>
@@ -8003,7 +8003,7 @@
               <p:nvPr/>
             </p:nvPicPr>
             <p:blipFill>
-              <a:blip r:embed="rId4" cstate="print">
+              <a:blip r:embed="rId7" cstate="print">
                 <a:extLst>
                   <a:ext uri="{28A0092B-C50C-407E-A947-70E740481C1C}">
                     <a14:useLocalDpi xmlns:a14="http://schemas.microsoft.com/office/drawing/2010/main" val="0"/>
@@ -8026,8 +8026,8 @@
           </p:pic>
         </mc:Fallback>
       </mc:AlternateContent>
-      <mc:AlternateContent xmlns:mc="http://schemas.openxmlformats.org/markup-compatibility/2006">
-        <mc:Choice xmlns:pslz="http://schemas.microsoft.com/office/powerpoint/2016/slidezoom" Requires="pslz">
+      <mc:AlternateContent xmlns:mc="http://schemas.openxmlformats.org/markup-compatibility/2006" xmlns:pslz="http://schemas.microsoft.com/office/powerpoint/2016/slidezoom">
+        <mc:Choice Requires="pslz">
           <p:graphicFrame>
             <p:nvGraphicFramePr>
               <p:cNvPr id="15" name="Slide Zoom 14">
@@ -8058,7 +8058,7 @@
                   <pslz:sldZmObj sldId="266" cId="1975067516">
                     <pslz:zmPr id="{5EAC6E92-7ABF-4E1E-BC75-9CCB50E8EE86}" imageType="cover" transitionDur="1000" showBg="0">
                       <p166:blipFill xmlns:p166="http://schemas.microsoft.com/office/powerpoint/2016/6/main">
-                        <a:blip r:embed="rId6" cstate="print">
+                        <a:blip r:embed="rId8" cstate="print">
                           <a:extLst>
                             <a:ext uri="{28A0092B-C50C-407E-A947-70E740481C1C}">
                               <a14:useLocalDpi xmlns:a14="http://schemas.microsoft.com/office/drawing/2010/main" val="0"/>
@@ -8085,11 +8085,11 @@
             </a:graphic>
           </p:graphicFrame>
         </mc:Choice>
-        <mc:Fallback>
+        <mc:Fallback xmlns="">
           <p:pic>
             <p:nvPicPr>
               <p:cNvPr id="15" name="Slide Zoom 14">
-                <a:hlinkClick r:id="rId7" action="ppaction://hlinksldjump"/>
+                <a:hlinkClick r:id="rId9" action="ppaction://hlinksldjump"/>
                 <a:extLst>
                   <a:ext uri="{FF2B5EF4-FFF2-40B4-BE49-F238E27FC236}">
                     <a16:creationId xmlns:a16="http://schemas.microsoft.com/office/drawing/2014/main" id="{57637C10-830C-0A13-0151-8336EBBB100A}"/>
@@ -8102,7 +8102,7 @@
               <p:nvPr/>
             </p:nvPicPr>
             <p:blipFill>
-              <a:blip r:embed="rId6" cstate="print">
+              <a:blip r:embed="rId10" cstate="print">
                 <a:extLst>
                   <a:ext uri="{28A0092B-C50C-407E-A947-70E740481C1C}">
                     <a14:useLocalDpi xmlns:a14="http://schemas.microsoft.com/office/drawing/2010/main" val="0"/>
@@ -8134,6 +8134,970 @@
 </file>
 
 <file path=ppt/slides/slide4.xml><?xml version="1.0" encoding="utf-8"?>
+<p:sld xmlns:a="http://schemas.openxmlformats.org/drawingml/2006/main" xmlns:r="http://schemas.openxmlformats.org/officeDocument/2006/relationships" xmlns:p="http://schemas.openxmlformats.org/presentationml/2006/main">
+  <p:cSld>
+    <p:bg>
+      <p:bgPr>
+        <a:solidFill>
+          <a:schemeClr val="bg1"/>
+        </a:solidFill>
+        <a:effectLst/>
+      </p:bgPr>
+    </p:bg>
+    <p:spTree>
+      <p:nvGrpSpPr>
+        <p:cNvPr id="1" name=""/>
+        <p:cNvGrpSpPr/>
+        <p:nvPr/>
+      </p:nvGrpSpPr>
+      <p:grpSpPr>
+        <a:xfrm>
+          <a:off x="0" y="0"/>
+          <a:ext cx="0" cy="0"/>
+          <a:chOff x="0" y="0"/>
+          <a:chExt cx="0" cy="0"/>
+        </a:xfrm>
+      </p:grpSpPr>
+      <p:pic>
+        <p:nvPicPr>
+          <p:cNvPr id="3" name="Picture 2" descr="A model of a ship&#10;&#10;Description automatically generated with low confidence">
+            <a:extLst>
+              <a:ext uri="{FF2B5EF4-FFF2-40B4-BE49-F238E27FC236}">
+                <a16:creationId xmlns:a16="http://schemas.microsoft.com/office/drawing/2014/main" id="{03A11F6A-948A-B6DE-BE83-41639F984F3A}"/>
+              </a:ext>
+            </a:extLst>
+          </p:cNvPr>
+          <p:cNvPicPr>
+            <a:picLocks noChangeAspect="1"/>
+          </p:cNvPicPr>
+          <p:nvPr/>
+        </p:nvPicPr>
+        <p:blipFill rotWithShape="1">
+          <a:blip r:embed="rId2"/>
+          <a:srcRect l="5390"/>
+          <a:stretch/>
+        </p:blipFill>
+        <p:spPr>
+          <a:xfrm>
+            <a:off x="6015107" y="-1"/>
+            <a:ext cx="6176895" cy="2937954"/>
+          </a:xfrm>
+          <a:prstGeom prst="rect">
+            <a:avLst/>
+          </a:prstGeom>
+        </p:spPr>
+      </p:pic>
+      <p:pic>
+        <p:nvPicPr>
+          <p:cNvPr id="6" name="Picture 5">
+            <a:extLst>
+              <a:ext uri="{FF2B5EF4-FFF2-40B4-BE49-F238E27FC236}">
+                <a16:creationId xmlns:a16="http://schemas.microsoft.com/office/drawing/2014/main" id="{2BE4FB00-9F70-10C0-AAEB-BD8F97C448DC}"/>
+              </a:ext>
+            </a:extLst>
+          </p:cNvPr>
+          <p:cNvPicPr>
+            <a:picLocks noChangeAspect="1"/>
+          </p:cNvPicPr>
+          <p:nvPr/>
+        </p:nvPicPr>
+        <p:blipFill rotWithShape="1">
+          <a:blip r:embed="rId3"/>
+          <a:srcRect l="4567" r="3731"/>
+          <a:stretch/>
+        </p:blipFill>
+        <p:spPr>
+          <a:xfrm>
+            <a:off x="4203638" y="2937953"/>
+            <a:ext cx="7988360" cy="3920047"/>
+          </a:xfrm>
+          <a:prstGeom prst="rect">
+            <a:avLst/>
+          </a:prstGeom>
+        </p:spPr>
+      </p:pic>
+      <p:sp>
+        <p:nvSpPr>
+          <p:cNvPr id="12" name="Freeform: Shape 11">
+            <a:extLst>
+              <a:ext uri="{FF2B5EF4-FFF2-40B4-BE49-F238E27FC236}">
+                <a16:creationId xmlns:a16="http://schemas.microsoft.com/office/drawing/2014/main" id="{8F23F8A3-8FD7-4779-8323-FDC26BE99889}"/>
+              </a:ext>
+              <a:ext uri="{C183D7F6-B498-43B3-948B-1728B52AA6E4}">
+                <adec:decorative xmlns:adec="http://schemas.microsoft.com/office/drawing/2017/decorative" val="1"/>
+              </a:ext>
+            </a:extLst>
+          </p:cNvPr>
+          <p:cNvSpPr>
+            <a:spLocks noGrp="1" noRot="1" noChangeAspect="1" noMove="1" noResize="1" noEditPoints="1" noAdjustHandles="1" noChangeArrowheads="1" noChangeShapeType="1" noTextEdit="1"/>
+          </p:cNvSpPr>
+          <p:nvPr>
+            <p:extLst>
+              <p:ext uri="{386F3935-93C4-4BCD-93E2-E3B085C9AB24}">
+                <p16:designElem xmlns:p16="http://schemas.microsoft.com/office/powerpoint/2015/main" val="1"/>
+              </p:ext>
+            </p:extLst>
+          </p:nvPr>
+        </p:nvSpPr>
+        <p:spPr>
+          <a:xfrm flipV="1">
+            <a:off x="0" y="-478"/>
+            <a:ext cx="7859800" cy="6858478"/>
+          </a:xfrm>
+          <a:custGeom>
+            <a:avLst/>
+            <a:gdLst>
+              <a:gd name="connsiteX0" fmla="*/ 7859800 w 7859800"/>
+              <a:gd name="connsiteY0" fmla="*/ 6858478 h 6858478"/>
+              <a:gd name="connsiteX1" fmla="*/ 435245 w 7859800"/>
+              <a:gd name="connsiteY1" fmla="*/ 6858478 h 6858478"/>
+              <a:gd name="connsiteX2" fmla="*/ 435505 w 7859800"/>
+              <a:gd name="connsiteY2" fmla="*/ 6857916 h 6858478"/>
+              <a:gd name="connsiteX3" fmla="*/ 0 w 7859800"/>
+              <a:gd name="connsiteY3" fmla="*/ 6857916 h 6858478"/>
+              <a:gd name="connsiteX4" fmla="*/ 0 w 7859800"/>
+              <a:gd name="connsiteY4" fmla="*/ 0 h 6858478"/>
+              <a:gd name="connsiteX5" fmla="*/ 3611620 w 7859800"/>
+              <a:gd name="connsiteY5" fmla="*/ 0 h 6858478"/>
+              <a:gd name="connsiteX6" fmla="*/ 4677848 w 7859800"/>
+              <a:gd name="connsiteY6" fmla="*/ 0 h 6858478"/>
+              <a:gd name="connsiteX7" fmla="*/ 4683425 w 7859800"/>
+              <a:gd name="connsiteY7" fmla="*/ 0 h 6858478"/>
+            </a:gdLst>
+            <a:ahLst/>
+            <a:cxnLst>
+              <a:cxn ang="0">
+                <a:pos x="connsiteX0" y="connsiteY0"/>
+              </a:cxn>
+              <a:cxn ang="0">
+                <a:pos x="connsiteX1" y="connsiteY1"/>
+              </a:cxn>
+              <a:cxn ang="0">
+                <a:pos x="connsiteX2" y="connsiteY2"/>
+              </a:cxn>
+              <a:cxn ang="0">
+                <a:pos x="connsiteX3" y="connsiteY3"/>
+              </a:cxn>
+              <a:cxn ang="0">
+                <a:pos x="connsiteX4" y="connsiteY4"/>
+              </a:cxn>
+              <a:cxn ang="0">
+                <a:pos x="connsiteX5" y="connsiteY5"/>
+              </a:cxn>
+              <a:cxn ang="0">
+                <a:pos x="connsiteX6" y="connsiteY6"/>
+              </a:cxn>
+              <a:cxn ang="0">
+                <a:pos x="connsiteX7" y="connsiteY7"/>
+              </a:cxn>
+            </a:cxnLst>
+            <a:rect l="l" t="t" r="r" b="b"/>
+            <a:pathLst>
+              <a:path w="7859800" h="6858478">
+                <a:moveTo>
+                  <a:pt x="7859800" y="6858478"/>
+                </a:moveTo>
+                <a:lnTo>
+                  <a:pt x="435245" y="6858478"/>
+                </a:lnTo>
+                <a:lnTo>
+                  <a:pt x="435505" y="6857916"/>
+                </a:lnTo>
+                <a:lnTo>
+                  <a:pt x="0" y="6857916"/>
+                </a:lnTo>
+                <a:lnTo>
+                  <a:pt x="0" y="0"/>
+                </a:lnTo>
+                <a:lnTo>
+                  <a:pt x="3611620" y="0"/>
+                </a:lnTo>
+                <a:lnTo>
+                  <a:pt x="4677848" y="0"/>
+                </a:lnTo>
+                <a:lnTo>
+                  <a:pt x="4683425" y="0"/>
+                </a:lnTo>
+                <a:close/>
+              </a:path>
+            </a:pathLst>
+          </a:custGeom>
+          <a:solidFill>
+            <a:schemeClr val="bg1">
+              <a:lumMod val="85000"/>
+              <a:lumOff val="15000"/>
+              <a:alpha val="70000"/>
+            </a:schemeClr>
+          </a:solidFill>
+          <a:ln>
+            <a:noFill/>
+          </a:ln>
+        </p:spPr>
+        <p:style>
+          <a:lnRef idx="2">
+            <a:schemeClr val="accent1">
+              <a:shade val="50000"/>
+            </a:schemeClr>
+          </a:lnRef>
+          <a:fillRef idx="1">
+            <a:schemeClr val="accent1"/>
+          </a:fillRef>
+          <a:effectRef idx="0">
+            <a:schemeClr val="accent1"/>
+          </a:effectRef>
+          <a:fontRef idx="minor">
+            <a:schemeClr val="lt1"/>
+          </a:fontRef>
+        </p:style>
+        <p:txBody>
+          <a:bodyPr wrap="square" rtlCol="0" anchor="ctr">
+            <a:noAutofit/>
+          </a:bodyPr>
+          <a:lstStyle/>
+          <a:p>
+            <a:pPr algn="ctr"/>
+            <a:endParaRPr lang="en-US"/>
+          </a:p>
+        </p:txBody>
+      </p:sp>
+      <p:sp>
+        <p:nvSpPr>
+          <p:cNvPr id="14" name="Freeform: Shape 13">
+            <a:extLst>
+              <a:ext uri="{FF2B5EF4-FFF2-40B4-BE49-F238E27FC236}">
+                <a16:creationId xmlns:a16="http://schemas.microsoft.com/office/drawing/2014/main" id="{F605C4CC-A25C-416F-8333-7CB7DC97D870}"/>
+              </a:ext>
+              <a:ext uri="{C183D7F6-B498-43B3-948B-1728B52AA6E4}">
+                <adec:decorative xmlns:adec="http://schemas.microsoft.com/office/drawing/2017/decorative" val="1"/>
+              </a:ext>
+            </a:extLst>
+          </p:cNvPr>
+          <p:cNvSpPr>
+            <a:spLocks noGrp="1" noRot="1" noChangeAspect="1" noMove="1" noResize="1" noEditPoints="1" noAdjustHandles="1" noChangeArrowheads="1" noChangeShapeType="1" noTextEdit="1"/>
+          </p:cNvSpPr>
+          <p:nvPr>
+            <p:extLst>
+              <p:ext uri="{386F3935-93C4-4BCD-93E2-E3B085C9AB24}">
+                <p16:designElem xmlns:p16="http://schemas.microsoft.com/office/powerpoint/2015/main" val="1"/>
+              </p:ext>
+            </p:extLst>
+          </p:nvPr>
+        </p:nvSpPr>
+        <p:spPr>
+          <a:xfrm flipV="1">
+            <a:off x="0" y="-478"/>
+            <a:ext cx="7431174" cy="6858478"/>
+          </a:xfrm>
+          <a:custGeom>
+            <a:avLst/>
+            <a:gdLst>
+              <a:gd name="connsiteX0" fmla="*/ 7431174 w 7431174"/>
+              <a:gd name="connsiteY0" fmla="*/ 6858478 h 6858478"/>
+              <a:gd name="connsiteX1" fmla="*/ 6619 w 7431174"/>
+              <a:gd name="connsiteY1" fmla="*/ 6858478 h 6858478"/>
+              <a:gd name="connsiteX2" fmla="*/ 6879 w 7431174"/>
+              <a:gd name="connsiteY2" fmla="*/ 6857916 h 6858478"/>
+              <a:gd name="connsiteX3" fmla="*/ 0 w 7431174"/>
+              <a:gd name="connsiteY3" fmla="*/ 6857916 h 6858478"/>
+              <a:gd name="connsiteX4" fmla="*/ 0 w 7431174"/>
+              <a:gd name="connsiteY4" fmla="*/ 0 h 6858478"/>
+              <a:gd name="connsiteX5" fmla="*/ 3182994 w 7431174"/>
+              <a:gd name="connsiteY5" fmla="*/ 0 h 6858478"/>
+              <a:gd name="connsiteX6" fmla="*/ 4249222 w 7431174"/>
+              <a:gd name="connsiteY6" fmla="*/ 0 h 6858478"/>
+              <a:gd name="connsiteX7" fmla="*/ 4254799 w 7431174"/>
+              <a:gd name="connsiteY7" fmla="*/ 0 h 6858478"/>
+            </a:gdLst>
+            <a:ahLst/>
+            <a:cxnLst>
+              <a:cxn ang="0">
+                <a:pos x="connsiteX0" y="connsiteY0"/>
+              </a:cxn>
+              <a:cxn ang="0">
+                <a:pos x="connsiteX1" y="connsiteY1"/>
+              </a:cxn>
+              <a:cxn ang="0">
+                <a:pos x="connsiteX2" y="connsiteY2"/>
+              </a:cxn>
+              <a:cxn ang="0">
+                <a:pos x="connsiteX3" y="connsiteY3"/>
+              </a:cxn>
+              <a:cxn ang="0">
+                <a:pos x="connsiteX4" y="connsiteY4"/>
+              </a:cxn>
+              <a:cxn ang="0">
+                <a:pos x="connsiteX5" y="connsiteY5"/>
+              </a:cxn>
+              <a:cxn ang="0">
+                <a:pos x="connsiteX6" y="connsiteY6"/>
+              </a:cxn>
+              <a:cxn ang="0">
+                <a:pos x="connsiteX7" y="connsiteY7"/>
+              </a:cxn>
+            </a:cxnLst>
+            <a:rect l="l" t="t" r="r" b="b"/>
+            <a:pathLst>
+              <a:path w="7431174" h="6858478">
+                <a:moveTo>
+                  <a:pt x="7431174" y="6858478"/>
+                </a:moveTo>
+                <a:lnTo>
+                  <a:pt x="6619" y="6858478"/>
+                </a:lnTo>
+                <a:lnTo>
+                  <a:pt x="6879" y="6857916"/>
+                </a:lnTo>
+                <a:lnTo>
+                  <a:pt x="0" y="6857916"/>
+                </a:lnTo>
+                <a:lnTo>
+                  <a:pt x="0" y="0"/>
+                </a:lnTo>
+                <a:lnTo>
+                  <a:pt x="3182994" y="0"/>
+                </a:lnTo>
+                <a:lnTo>
+                  <a:pt x="4249222" y="0"/>
+                </a:lnTo>
+                <a:lnTo>
+                  <a:pt x="4254799" y="0"/>
+                </a:lnTo>
+                <a:close/>
+              </a:path>
+            </a:pathLst>
+          </a:custGeom>
+          <a:solidFill>
+            <a:schemeClr val="bg1">
+              <a:lumMod val="85000"/>
+              <a:lumOff val="15000"/>
+            </a:schemeClr>
+          </a:solidFill>
+          <a:ln>
+            <a:noFill/>
+          </a:ln>
+        </p:spPr>
+        <p:style>
+          <a:lnRef idx="2">
+            <a:schemeClr val="accent1">
+              <a:shade val="50000"/>
+            </a:schemeClr>
+          </a:lnRef>
+          <a:fillRef idx="1">
+            <a:schemeClr val="accent1"/>
+          </a:fillRef>
+          <a:effectRef idx="0">
+            <a:schemeClr val="accent1"/>
+          </a:effectRef>
+          <a:fontRef idx="minor">
+            <a:schemeClr val="lt1"/>
+          </a:fontRef>
+        </p:style>
+        <p:txBody>
+          <a:bodyPr wrap="square" rtlCol="0" anchor="ctr">
+            <a:noAutofit/>
+          </a:bodyPr>
+          <a:lstStyle/>
+          <a:p>
+            <a:pPr algn="ctr"/>
+            <a:endParaRPr lang="en-US"/>
+          </a:p>
+        </p:txBody>
+      </p:sp>
+      <p:sp>
+        <p:nvSpPr>
+          <p:cNvPr id="4" name="TextBox 3">
+            <a:extLst>
+              <a:ext uri="{FF2B5EF4-FFF2-40B4-BE49-F238E27FC236}">
+                <a16:creationId xmlns:a16="http://schemas.microsoft.com/office/drawing/2014/main" id="{E05477E6-8B07-2086-0986-DF24E19B4E7A}"/>
+              </a:ext>
+            </a:extLst>
+          </p:cNvPr>
+          <p:cNvSpPr txBox="1"/>
+          <p:nvPr/>
+        </p:nvSpPr>
+        <p:spPr>
+          <a:xfrm>
+            <a:off x="804672" y="365125"/>
+            <a:ext cx="5266155" cy="1325563"/>
+          </a:xfrm>
+          <a:prstGeom prst="rect">
+            <a:avLst/>
+          </a:prstGeom>
+        </p:spPr>
+        <p:txBody>
+          <a:bodyPr vert="horz" lIns="91440" tIns="45720" rIns="91440" bIns="45720" rtlCol="0" anchor="ctr">
+            <a:normAutofit/>
+          </a:bodyPr>
+          <a:lstStyle/>
+          <a:p>
+            <a:pPr>
+              <a:lnSpc>
+                <a:spcPct val="90000"/>
+              </a:lnSpc>
+              <a:spcBef>
+                <a:spcPct val="0"/>
+              </a:spcBef>
+              <a:spcAft>
+                <a:spcPts val="600"/>
+              </a:spcAft>
+            </a:pPr>
+            <a:r>
+              <a:rPr lang="en-US" sz="4400" kern="1200">
+                <a:solidFill>
+                  <a:schemeClr val="tx1"/>
+                </a:solidFill>
+                <a:latin typeface="+mj-lt"/>
+                <a:ea typeface="+mj-ea"/>
+                <a:cs typeface="+mj-cs"/>
+              </a:rPr>
+              <a:t>Innovation project – What is it?</a:t>
+            </a:r>
+          </a:p>
+        </p:txBody>
+      </p:sp>
+      <p:sp>
+        <p:nvSpPr>
+          <p:cNvPr id="7" name="TextBox 6">
+            <a:extLst>
+              <a:ext uri="{FF2B5EF4-FFF2-40B4-BE49-F238E27FC236}">
+                <a16:creationId xmlns:a16="http://schemas.microsoft.com/office/drawing/2014/main" id="{07563563-E94B-AAB6-57CF-8E1CA390F158}"/>
+              </a:ext>
+            </a:extLst>
+          </p:cNvPr>
+          <p:cNvSpPr txBox="1"/>
+          <p:nvPr/>
+        </p:nvSpPr>
+        <p:spPr>
+          <a:xfrm>
+            <a:off x="804672" y="2022601"/>
+            <a:ext cx="3941499" cy="4154361"/>
+          </a:xfrm>
+          <a:prstGeom prst="rect">
+            <a:avLst/>
+          </a:prstGeom>
+        </p:spPr>
+        <p:txBody>
+          <a:bodyPr vert="horz" lIns="91440" tIns="45720" rIns="91440" bIns="45720" rtlCol="0">
+            <a:normAutofit/>
+          </a:bodyPr>
+          <a:lstStyle/>
+          <a:p>
+            <a:pPr indent="-228600" fontAlgn="base">
+              <a:lnSpc>
+                <a:spcPct val="90000"/>
+              </a:lnSpc>
+              <a:spcAft>
+                <a:spcPts val="600"/>
+              </a:spcAft>
+              <a:buFont typeface="Arial" panose="020B0604020202020204" pitchFamily="34" charset="0"/>
+              <a:buChar char="•"/>
+            </a:pPr>
+            <a:r>
+              <a:rPr lang="en-US" sz="2000" dirty="0"/>
+              <a:t>One of the main components of our project is the innovation project, which is a small model of sustainable architecture and technology, promoting creativity and, as the name says, innovation. </a:t>
+            </a:r>
+          </a:p>
+          <a:p>
+            <a:pPr indent="-228600" fontAlgn="base">
+              <a:lnSpc>
+                <a:spcPct val="90000"/>
+              </a:lnSpc>
+              <a:spcAft>
+                <a:spcPts val="600"/>
+              </a:spcAft>
+              <a:buFont typeface="Arial" panose="020B0604020202020204" pitchFamily="34" charset="0"/>
+              <a:buChar char="•"/>
+            </a:pPr>
+            <a:r>
+              <a:rPr lang="en-US" sz="2000" dirty="0"/>
+              <a:t>Our innovation project is centered around a roadside wind turbine. Roadside wind turbines are prototypical inventions meant to reduce energy wastage during traffic and on major highways in urban areas.</a:t>
+            </a:r>
+          </a:p>
+          <a:p>
+            <a:pPr indent="-228600">
+              <a:lnSpc>
+                <a:spcPct val="90000"/>
+              </a:lnSpc>
+              <a:spcAft>
+                <a:spcPts val="600"/>
+              </a:spcAft>
+              <a:buFont typeface="Arial" panose="020B0604020202020204" pitchFamily="34" charset="0"/>
+              <a:buChar char="•"/>
+            </a:pPr>
+            <a:endParaRPr lang="en-US" sz="2000" dirty="0"/>
+          </a:p>
+        </p:txBody>
+      </p:sp>
+    </p:spTree>
+    <p:extLst>
+      <p:ext uri="{BB962C8B-B14F-4D97-AF65-F5344CB8AC3E}">
+        <p14:creationId xmlns:p14="http://schemas.microsoft.com/office/powerpoint/2010/main" val="3367154356"/>
+      </p:ext>
+    </p:extLst>
+  </p:cSld>
+  <p:clrMapOvr>
+    <a:overrideClrMapping bg1="dk1" tx1="lt1" bg2="dk2" tx2="lt2" accent1="accent1" accent2="accent2" accent3="accent3" accent4="accent4" accent5="accent5" accent6="accent6" hlink="hlink" folHlink="folHlink"/>
+  </p:clrMapOvr>
+</p:sld>
+</file>
+
+<file path=ppt/slides/slide5.xml><?xml version="1.0" encoding="utf-8"?>
+<p:sld xmlns:a="http://schemas.openxmlformats.org/drawingml/2006/main" xmlns:r="http://schemas.openxmlformats.org/officeDocument/2006/relationships" xmlns:p="http://schemas.openxmlformats.org/presentationml/2006/main">
+  <p:cSld>
+    <p:bg>
+      <p:bgPr>
+        <a:solidFill>
+          <a:schemeClr val="bg1"/>
+        </a:solidFill>
+        <a:effectLst/>
+      </p:bgPr>
+    </p:bg>
+    <p:spTree>
+      <p:nvGrpSpPr>
+        <p:cNvPr id="1" name=""/>
+        <p:cNvGrpSpPr/>
+        <p:nvPr/>
+      </p:nvGrpSpPr>
+      <p:grpSpPr>
+        <a:xfrm>
+          <a:off x="0" y="0"/>
+          <a:ext cx="0" cy="0"/>
+          <a:chOff x="0" y="0"/>
+          <a:chExt cx="0" cy="0"/>
+        </a:xfrm>
+      </p:grpSpPr>
+      <p:pic>
+        <p:nvPicPr>
+          <p:cNvPr id="3" name="Picture 2" descr="A model of a ship&#10;&#10;Description automatically generated with low confidence">
+            <a:extLst>
+              <a:ext uri="{FF2B5EF4-FFF2-40B4-BE49-F238E27FC236}">
+                <a16:creationId xmlns:a16="http://schemas.microsoft.com/office/drawing/2014/main" id="{03A11F6A-948A-B6DE-BE83-41639F984F3A}"/>
+              </a:ext>
+            </a:extLst>
+          </p:cNvPr>
+          <p:cNvPicPr>
+            <a:picLocks noChangeAspect="1"/>
+          </p:cNvPicPr>
+          <p:nvPr/>
+        </p:nvPicPr>
+        <p:blipFill rotWithShape="1">
+          <a:blip r:embed="rId2"/>
+          <a:srcRect l="5390"/>
+          <a:stretch/>
+        </p:blipFill>
+        <p:spPr>
+          <a:xfrm>
+            <a:off x="6015107" y="-1"/>
+            <a:ext cx="6176895" cy="2937954"/>
+          </a:xfrm>
+          <a:prstGeom prst="rect">
+            <a:avLst/>
+          </a:prstGeom>
+        </p:spPr>
+      </p:pic>
+      <p:pic>
+        <p:nvPicPr>
+          <p:cNvPr id="6" name="Picture 5">
+            <a:extLst>
+              <a:ext uri="{FF2B5EF4-FFF2-40B4-BE49-F238E27FC236}">
+                <a16:creationId xmlns:a16="http://schemas.microsoft.com/office/drawing/2014/main" id="{2BE4FB00-9F70-10C0-AAEB-BD8F97C448DC}"/>
+              </a:ext>
+            </a:extLst>
+          </p:cNvPr>
+          <p:cNvPicPr>
+            <a:picLocks noChangeAspect="1"/>
+          </p:cNvPicPr>
+          <p:nvPr/>
+        </p:nvPicPr>
+        <p:blipFill rotWithShape="1">
+          <a:blip r:embed="rId3"/>
+          <a:srcRect l="4567" r="3731"/>
+          <a:stretch/>
+        </p:blipFill>
+        <p:spPr>
+          <a:xfrm>
+            <a:off x="4203638" y="2937953"/>
+            <a:ext cx="7988360" cy="3920047"/>
+          </a:xfrm>
+          <a:prstGeom prst="rect">
+            <a:avLst/>
+          </a:prstGeom>
+        </p:spPr>
+      </p:pic>
+      <p:sp>
+        <p:nvSpPr>
+          <p:cNvPr id="12" name="Freeform: Shape 11">
+            <a:extLst>
+              <a:ext uri="{FF2B5EF4-FFF2-40B4-BE49-F238E27FC236}">
+                <a16:creationId xmlns:a16="http://schemas.microsoft.com/office/drawing/2014/main" id="{8F23F8A3-8FD7-4779-8323-FDC26BE99889}"/>
+              </a:ext>
+              <a:ext uri="{C183D7F6-B498-43B3-948B-1728B52AA6E4}">
+                <adec:decorative xmlns:adec="http://schemas.microsoft.com/office/drawing/2017/decorative" val="1"/>
+              </a:ext>
+            </a:extLst>
+          </p:cNvPr>
+          <p:cNvSpPr>
+            <a:spLocks noGrp="1" noRot="1" noChangeAspect="1" noMove="1" noResize="1" noEditPoints="1" noAdjustHandles="1" noChangeArrowheads="1" noChangeShapeType="1" noTextEdit="1"/>
+          </p:cNvSpPr>
+          <p:nvPr>
+            <p:extLst>
+              <p:ext uri="{386F3935-93C4-4BCD-93E2-E3B085C9AB24}">
+                <p16:designElem xmlns:p16="http://schemas.microsoft.com/office/powerpoint/2015/main" val="1"/>
+              </p:ext>
+            </p:extLst>
+          </p:nvPr>
+        </p:nvSpPr>
+        <p:spPr>
+          <a:xfrm flipV="1">
+            <a:off x="0" y="-478"/>
+            <a:ext cx="7859800" cy="6858478"/>
+          </a:xfrm>
+          <a:custGeom>
+            <a:avLst/>
+            <a:gdLst>
+              <a:gd name="connsiteX0" fmla="*/ 7859800 w 7859800"/>
+              <a:gd name="connsiteY0" fmla="*/ 6858478 h 6858478"/>
+              <a:gd name="connsiteX1" fmla="*/ 435245 w 7859800"/>
+              <a:gd name="connsiteY1" fmla="*/ 6858478 h 6858478"/>
+              <a:gd name="connsiteX2" fmla="*/ 435505 w 7859800"/>
+              <a:gd name="connsiteY2" fmla="*/ 6857916 h 6858478"/>
+              <a:gd name="connsiteX3" fmla="*/ 0 w 7859800"/>
+              <a:gd name="connsiteY3" fmla="*/ 6857916 h 6858478"/>
+              <a:gd name="connsiteX4" fmla="*/ 0 w 7859800"/>
+              <a:gd name="connsiteY4" fmla="*/ 0 h 6858478"/>
+              <a:gd name="connsiteX5" fmla="*/ 3611620 w 7859800"/>
+              <a:gd name="connsiteY5" fmla="*/ 0 h 6858478"/>
+              <a:gd name="connsiteX6" fmla="*/ 4677848 w 7859800"/>
+              <a:gd name="connsiteY6" fmla="*/ 0 h 6858478"/>
+              <a:gd name="connsiteX7" fmla="*/ 4683425 w 7859800"/>
+              <a:gd name="connsiteY7" fmla="*/ 0 h 6858478"/>
+            </a:gdLst>
+            <a:ahLst/>
+            <a:cxnLst>
+              <a:cxn ang="0">
+                <a:pos x="connsiteX0" y="connsiteY0"/>
+              </a:cxn>
+              <a:cxn ang="0">
+                <a:pos x="connsiteX1" y="connsiteY1"/>
+              </a:cxn>
+              <a:cxn ang="0">
+                <a:pos x="connsiteX2" y="connsiteY2"/>
+              </a:cxn>
+              <a:cxn ang="0">
+                <a:pos x="connsiteX3" y="connsiteY3"/>
+              </a:cxn>
+              <a:cxn ang="0">
+                <a:pos x="connsiteX4" y="connsiteY4"/>
+              </a:cxn>
+              <a:cxn ang="0">
+                <a:pos x="connsiteX5" y="connsiteY5"/>
+              </a:cxn>
+              <a:cxn ang="0">
+                <a:pos x="connsiteX6" y="connsiteY6"/>
+              </a:cxn>
+              <a:cxn ang="0">
+                <a:pos x="connsiteX7" y="connsiteY7"/>
+              </a:cxn>
+            </a:cxnLst>
+            <a:rect l="l" t="t" r="r" b="b"/>
+            <a:pathLst>
+              <a:path w="7859800" h="6858478">
+                <a:moveTo>
+                  <a:pt x="7859800" y="6858478"/>
+                </a:moveTo>
+                <a:lnTo>
+                  <a:pt x="435245" y="6858478"/>
+                </a:lnTo>
+                <a:lnTo>
+                  <a:pt x="435505" y="6857916"/>
+                </a:lnTo>
+                <a:lnTo>
+                  <a:pt x="0" y="6857916"/>
+                </a:lnTo>
+                <a:lnTo>
+                  <a:pt x="0" y="0"/>
+                </a:lnTo>
+                <a:lnTo>
+                  <a:pt x="3611620" y="0"/>
+                </a:lnTo>
+                <a:lnTo>
+                  <a:pt x="4677848" y="0"/>
+                </a:lnTo>
+                <a:lnTo>
+                  <a:pt x="4683425" y="0"/>
+                </a:lnTo>
+                <a:close/>
+              </a:path>
+            </a:pathLst>
+          </a:custGeom>
+          <a:solidFill>
+            <a:schemeClr val="bg1">
+              <a:lumMod val="85000"/>
+              <a:lumOff val="15000"/>
+              <a:alpha val="70000"/>
+            </a:schemeClr>
+          </a:solidFill>
+          <a:ln>
+            <a:noFill/>
+          </a:ln>
+        </p:spPr>
+        <p:style>
+          <a:lnRef idx="2">
+            <a:schemeClr val="accent1">
+              <a:shade val="50000"/>
+            </a:schemeClr>
+          </a:lnRef>
+          <a:fillRef idx="1">
+            <a:schemeClr val="accent1"/>
+          </a:fillRef>
+          <a:effectRef idx="0">
+            <a:schemeClr val="accent1"/>
+          </a:effectRef>
+          <a:fontRef idx="minor">
+            <a:schemeClr val="lt1"/>
+          </a:fontRef>
+        </p:style>
+        <p:txBody>
+          <a:bodyPr wrap="square" rtlCol="0" anchor="ctr">
+            <a:noAutofit/>
+          </a:bodyPr>
+          <a:lstStyle/>
+          <a:p>
+            <a:pPr algn="ctr"/>
+            <a:endParaRPr lang="en-US"/>
+          </a:p>
+        </p:txBody>
+      </p:sp>
+      <p:sp>
+        <p:nvSpPr>
+          <p:cNvPr id="14" name="Freeform: Shape 13">
+            <a:extLst>
+              <a:ext uri="{FF2B5EF4-FFF2-40B4-BE49-F238E27FC236}">
+                <a16:creationId xmlns:a16="http://schemas.microsoft.com/office/drawing/2014/main" id="{F605C4CC-A25C-416F-8333-7CB7DC97D870}"/>
+              </a:ext>
+              <a:ext uri="{C183D7F6-B498-43B3-948B-1728B52AA6E4}">
+                <adec:decorative xmlns:adec="http://schemas.microsoft.com/office/drawing/2017/decorative" val="1"/>
+              </a:ext>
+            </a:extLst>
+          </p:cNvPr>
+          <p:cNvSpPr>
+            <a:spLocks noGrp="1" noRot="1" noChangeAspect="1" noMove="1" noResize="1" noEditPoints="1" noAdjustHandles="1" noChangeArrowheads="1" noChangeShapeType="1" noTextEdit="1"/>
+          </p:cNvSpPr>
+          <p:nvPr>
+            <p:extLst>
+              <p:ext uri="{386F3935-93C4-4BCD-93E2-E3B085C9AB24}">
+                <p16:designElem xmlns:p16="http://schemas.microsoft.com/office/powerpoint/2015/main" val="1"/>
+              </p:ext>
+            </p:extLst>
+          </p:nvPr>
+        </p:nvSpPr>
+        <p:spPr>
+          <a:xfrm flipV="1">
+            <a:off x="0" y="-478"/>
+            <a:ext cx="7431174" cy="6858478"/>
+          </a:xfrm>
+          <a:custGeom>
+            <a:avLst/>
+            <a:gdLst>
+              <a:gd name="connsiteX0" fmla="*/ 7431174 w 7431174"/>
+              <a:gd name="connsiteY0" fmla="*/ 6858478 h 6858478"/>
+              <a:gd name="connsiteX1" fmla="*/ 6619 w 7431174"/>
+              <a:gd name="connsiteY1" fmla="*/ 6858478 h 6858478"/>
+              <a:gd name="connsiteX2" fmla="*/ 6879 w 7431174"/>
+              <a:gd name="connsiteY2" fmla="*/ 6857916 h 6858478"/>
+              <a:gd name="connsiteX3" fmla="*/ 0 w 7431174"/>
+              <a:gd name="connsiteY3" fmla="*/ 6857916 h 6858478"/>
+              <a:gd name="connsiteX4" fmla="*/ 0 w 7431174"/>
+              <a:gd name="connsiteY4" fmla="*/ 0 h 6858478"/>
+              <a:gd name="connsiteX5" fmla="*/ 3182994 w 7431174"/>
+              <a:gd name="connsiteY5" fmla="*/ 0 h 6858478"/>
+              <a:gd name="connsiteX6" fmla="*/ 4249222 w 7431174"/>
+              <a:gd name="connsiteY6" fmla="*/ 0 h 6858478"/>
+              <a:gd name="connsiteX7" fmla="*/ 4254799 w 7431174"/>
+              <a:gd name="connsiteY7" fmla="*/ 0 h 6858478"/>
+            </a:gdLst>
+            <a:ahLst/>
+            <a:cxnLst>
+              <a:cxn ang="0">
+                <a:pos x="connsiteX0" y="connsiteY0"/>
+              </a:cxn>
+              <a:cxn ang="0">
+                <a:pos x="connsiteX1" y="connsiteY1"/>
+              </a:cxn>
+              <a:cxn ang="0">
+                <a:pos x="connsiteX2" y="connsiteY2"/>
+              </a:cxn>
+              <a:cxn ang="0">
+                <a:pos x="connsiteX3" y="connsiteY3"/>
+              </a:cxn>
+              <a:cxn ang="0">
+                <a:pos x="connsiteX4" y="connsiteY4"/>
+              </a:cxn>
+              <a:cxn ang="0">
+                <a:pos x="connsiteX5" y="connsiteY5"/>
+              </a:cxn>
+              <a:cxn ang="0">
+                <a:pos x="connsiteX6" y="connsiteY6"/>
+              </a:cxn>
+              <a:cxn ang="0">
+                <a:pos x="connsiteX7" y="connsiteY7"/>
+              </a:cxn>
+            </a:cxnLst>
+            <a:rect l="l" t="t" r="r" b="b"/>
+            <a:pathLst>
+              <a:path w="7431174" h="6858478">
+                <a:moveTo>
+                  <a:pt x="7431174" y="6858478"/>
+                </a:moveTo>
+                <a:lnTo>
+                  <a:pt x="6619" y="6858478"/>
+                </a:lnTo>
+                <a:lnTo>
+                  <a:pt x="6879" y="6857916"/>
+                </a:lnTo>
+                <a:lnTo>
+                  <a:pt x="0" y="6857916"/>
+                </a:lnTo>
+                <a:lnTo>
+                  <a:pt x="0" y="0"/>
+                </a:lnTo>
+                <a:lnTo>
+                  <a:pt x="3182994" y="0"/>
+                </a:lnTo>
+                <a:lnTo>
+                  <a:pt x="4249222" y="0"/>
+                </a:lnTo>
+                <a:lnTo>
+                  <a:pt x="4254799" y="0"/>
+                </a:lnTo>
+                <a:close/>
+              </a:path>
+            </a:pathLst>
+          </a:custGeom>
+          <a:solidFill>
+            <a:schemeClr val="bg1">
+              <a:lumMod val="85000"/>
+              <a:lumOff val="15000"/>
+            </a:schemeClr>
+          </a:solidFill>
+          <a:ln>
+            <a:noFill/>
+          </a:ln>
+        </p:spPr>
+        <p:style>
+          <a:lnRef idx="2">
+            <a:schemeClr val="accent1">
+              <a:shade val="50000"/>
+            </a:schemeClr>
+          </a:lnRef>
+          <a:fillRef idx="1">
+            <a:schemeClr val="accent1"/>
+          </a:fillRef>
+          <a:effectRef idx="0">
+            <a:schemeClr val="accent1"/>
+          </a:effectRef>
+          <a:fontRef idx="minor">
+            <a:schemeClr val="lt1"/>
+          </a:fontRef>
+        </p:style>
+        <p:txBody>
+          <a:bodyPr wrap="square" rtlCol="0" anchor="ctr">
+            <a:noAutofit/>
+          </a:bodyPr>
+          <a:lstStyle/>
+          <a:p>
+            <a:pPr algn="ctr"/>
+            <a:endParaRPr lang="en-US"/>
+          </a:p>
+        </p:txBody>
+      </p:sp>
+      <p:sp>
+        <p:nvSpPr>
+          <p:cNvPr id="4" name="TextBox 3">
+            <a:extLst>
+              <a:ext uri="{FF2B5EF4-FFF2-40B4-BE49-F238E27FC236}">
+                <a16:creationId xmlns:a16="http://schemas.microsoft.com/office/drawing/2014/main" id="{E05477E6-8B07-2086-0986-DF24E19B4E7A}"/>
+              </a:ext>
+            </a:extLst>
+          </p:cNvPr>
+          <p:cNvSpPr txBox="1"/>
+          <p:nvPr/>
+        </p:nvSpPr>
+        <p:spPr>
+          <a:xfrm>
+            <a:off x="804672" y="365125"/>
+            <a:ext cx="5266155" cy="1325563"/>
+          </a:xfrm>
+          <a:prstGeom prst="rect">
+            <a:avLst/>
+          </a:prstGeom>
+        </p:spPr>
+        <p:txBody>
+          <a:bodyPr vert="horz" lIns="91440" tIns="45720" rIns="91440" bIns="45720" rtlCol="0" anchor="ctr">
+            <a:normAutofit lnSpcReduction="10000"/>
+          </a:bodyPr>
+          <a:lstStyle/>
+          <a:p>
+            <a:r>
+              <a:rPr lang="en-US" sz="4400" dirty="0">
+                <a:latin typeface="Corbel" panose="020B0503020204020204" pitchFamily="34" charset="0"/>
+              </a:rPr>
+              <a:t>Innovation project – Where is it?</a:t>
+            </a:r>
+          </a:p>
+        </p:txBody>
+      </p:sp>
+      <p:sp>
+        <p:nvSpPr>
+          <p:cNvPr id="7" name="TextBox 6">
+            <a:extLst>
+              <a:ext uri="{FF2B5EF4-FFF2-40B4-BE49-F238E27FC236}">
+                <a16:creationId xmlns:a16="http://schemas.microsoft.com/office/drawing/2014/main" id="{07563563-E94B-AAB6-57CF-8E1CA390F158}"/>
+              </a:ext>
+            </a:extLst>
+          </p:cNvPr>
+          <p:cNvSpPr txBox="1"/>
+          <p:nvPr/>
+        </p:nvSpPr>
+        <p:spPr>
+          <a:xfrm>
+            <a:off x="804672" y="2022601"/>
+            <a:ext cx="3941499" cy="4154361"/>
+          </a:xfrm>
+          <a:prstGeom prst="rect">
+            <a:avLst/>
+          </a:prstGeom>
+        </p:spPr>
+        <p:txBody>
+          <a:bodyPr vert="horz" lIns="91440" tIns="45720" rIns="91440" bIns="45720" rtlCol="0">
+            <a:normAutofit/>
+          </a:bodyPr>
+          <a:lstStyle/>
+          <a:p>
+            <a:pPr algn="just" fontAlgn="base"/>
+            <a:r>
+              <a:rPr lang="en-US" sz="2000" dirty="0">
+                <a:latin typeface="Corbel" panose="020B0503020204020204" pitchFamily="34" charset="0"/>
+              </a:rPr>
+              <a:t>It is based on the phenomenon of high wind energy being generated when cars go down roads at high speeds.</a:t>
+            </a:r>
+          </a:p>
+        </p:txBody>
+      </p:sp>
+    </p:spTree>
+    <p:extLst>
+      <p:ext uri="{BB962C8B-B14F-4D97-AF65-F5344CB8AC3E}">
+        <p14:creationId xmlns:p14="http://schemas.microsoft.com/office/powerpoint/2010/main" val="4030677748"/>
+      </p:ext>
+    </p:extLst>
+  </p:cSld>
+  <p:clrMapOvr>
+    <a:overrideClrMapping bg1="dk1" tx1="lt1" bg2="dk2" tx2="lt2" accent1="accent1" accent2="accent2" accent3="accent3" accent4="accent4" accent5="accent5" accent6="accent6" hlink="hlink" folHlink="folHlink"/>
+  </p:clrMapOvr>
+</p:sld>
+</file>
+
+<file path=ppt/slides/slide50.xml><?xml version="1.0" encoding="utf-8"?>
 <p:sld xmlns:a="http://schemas.openxmlformats.org/drawingml/2006/main" xmlns:r="http://schemas.openxmlformats.org/officeDocument/2006/relationships" xmlns:p="http://schemas.openxmlformats.org/presentationml/2006/main">
   <p:cSld>
     <p:bg>
@@ -8201,153 +9165,6 @@
                 </a:solidFill>
                 <a:latin typeface="Corbel" panose="020B0503020204020204" pitchFamily="34" charset="0"/>
               </a:rPr>
-              <a:t>Innovation project – What is it?</a:t>
-            </a:r>
-          </a:p>
-        </p:txBody>
-      </p:sp>
-      <p:sp>
-        <p:nvSpPr>
-          <p:cNvPr id="7" name="TextBox 6">
-            <a:extLst>
-              <a:ext uri="{FF2B5EF4-FFF2-40B4-BE49-F238E27FC236}">
-                <a16:creationId xmlns:a16="http://schemas.microsoft.com/office/drawing/2014/main" id="{07563563-E94B-AAB6-57CF-8E1CA390F158}"/>
-              </a:ext>
-            </a:extLst>
-          </p:cNvPr>
-          <p:cNvSpPr txBox="1"/>
-          <p:nvPr/>
-        </p:nvSpPr>
-        <p:spPr>
-          <a:xfrm>
-            <a:off x="822789" y="1673663"/>
-            <a:ext cx="8602432" cy="2246769"/>
-          </a:xfrm>
-          <a:prstGeom prst="rect">
-            <a:avLst/>
-          </a:prstGeom>
-          <a:noFill/>
-        </p:spPr>
-        <p:txBody>
-          <a:bodyPr wrap="square" rtlCol="0">
-            <a:spAutoFit/>
-          </a:bodyPr>
-          <a:lstStyle/>
-          <a:p>
-            <a:pPr algn="just" fontAlgn="base"/>
-            <a:r>
-              <a:rPr lang="en-US" sz="2000" dirty="0">
-                <a:solidFill>
-                  <a:schemeClr val="bg1"/>
-                </a:solidFill>
-                <a:latin typeface="Corbel" panose="020B0503020204020204" pitchFamily="34" charset="0"/>
-              </a:rPr>
-              <a:t>One of the main components of our project is the innovation project, which is a small model of sustainable architecture and technology, promoting creativity and, as the name says, innovation. </a:t>
-            </a:r>
-          </a:p>
-          <a:p>
-            <a:pPr algn="just" fontAlgn="base"/>
-            <a:r>
-              <a:rPr lang="en-US" sz="2000" dirty="0">
-                <a:solidFill>
-                  <a:schemeClr val="bg1"/>
-                </a:solidFill>
-                <a:latin typeface="Corbel" panose="020B0503020204020204" pitchFamily="34" charset="0"/>
-              </a:rPr>
-              <a:t>Our innovation project is centered around a roadside wind turbine. Roadside wind turbines are prototypical inventions meant to reduce energy wastage during traffic and on major highways in urban areas.</a:t>
-            </a:r>
-          </a:p>
-          <a:p>
-            <a:endParaRPr lang="en-US" sz="2000" dirty="0">
-              <a:solidFill>
-                <a:schemeClr val="bg1"/>
-              </a:solidFill>
-              <a:latin typeface="Corbel" panose="020B0503020204020204" pitchFamily="34" charset="0"/>
-            </a:endParaRPr>
-          </a:p>
-        </p:txBody>
-      </p:sp>
-    </p:spTree>
-    <p:extLst>
-      <p:ext uri="{BB962C8B-B14F-4D97-AF65-F5344CB8AC3E}">
-        <p14:creationId xmlns:p14="http://schemas.microsoft.com/office/powerpoint/2010/main" val="3367154356"/>
-      </p:ext>
-    </p:extLst>
-  </p:cSld>
-  <p:clrMapOvr>
-    <a:masterClrMapping/>
-  </p:clrMapOvr>
-</p:sld>
-</file>
-
-<file path=ppt/slides/slide5.xml><?xml version="1.0" encoding="utf-8"?>
-<p:sld xmlns:a="http://schemas.openxmlformats.org/drawingml/2006/main" xmlns:r="http://schemas.openxmlformats.org/officeDocument/2006/relationships" xmlns:p="http://schemas.openxmlformats.org/presentationml/2006/main">
-  <p:cSld>
-    <p:bg>
-      <p:bgPr>
-        <a:gradFill rotWithShape="1">
-          <a:gsLst>
-            <a:gs pos="0">
-              <a:srgbClr val="0C7374"/>
-            </a:gs>
-            <a:gs pos="100000">
-              <a:srgbClr val="012D86"/>
-            </a:gs>
-          </a:gsLst>
-          <a:lin ang="5400000" scaled="0"/>
-        </a:gradFill>
-        <a:effectLst/>
-      </p:bgPr>
-    </p:bg>
-    <p:spTree>
-      <p:nvGrpSpPr>
-        <p:cNvPr id="1" name=""/>
-        <p:cNvGrpSpPr/>
-        <p:nvPr/>
-      </p:nvGrpSpPr>
-      <p:grpSpPr>
-        <a:xfrm>
-          <a:off x="0" y="0"/>
-          <a:ext cx="0" cy="0"/>
-          <a:chOff x="0" y="0"/>
-          <a:chExt cx="0" cy="0"/>
-        </a:xfrm>
-      </p:grpSpPr>
-      <p:sp>
-        <p:nvSpPr>
-          <p:cNvPr id="4" name="TextBox 3">
-            <a:extLst>
-              <a:ext uri="{FF2B5EF4-FFF2-40B4-BE49-F238E27FC236}">
-                <a16:creationId xmlns:a16="http://schemas.microsoft.com/office/drawing/2014/main" id="{E05477E6-8B07-2086-0986-DF24E19B4E7A}"/>
-              </a:ext>
-            </a:extLst>
-          </p:cNvPr>
-          <p:cNvSpPr txBox="1"/>
-          <p:nvPr/>
-        </p:nvSpPr>
-        <p:spPr>
-          <a:xfrm>
-            <a:off x="829989" y="681516"/>
-            <a:ext cx="5418649" cy="523220"/>
-          </a:xfrm>
-          <a:prstGeom prst="rect">
-            <a:avLst/>
-          </a:prstGeom>
-          <a:noFill/>
-        </p:spPr>
-        <p:txBody>
-          <a:bodyPr wrap="square" rtlCol="0">
-            <a:spAutoFit/>
-          </a:bodyPr>
-          <a:lstStyle/>
-          <a:p>
-            <a:r>
-              <a:rPr lang="en-US" sz="2800" dirty="0">
-                <a:solidFill>
-                  <a:schemeClr val="bg1"/>
-                </a:solidFill>
-                <a:latin typeface="Corbel" panose="020B0503020204020204" pitchFamily="34" charset="0"/>
-              </a:rPr>
               <a:t>Innovation project – Where is it?</a:t>
             </a:r>
           </a:p>
@@ -8408,6 +9225,462 @@
 </file>
 
 <file path=ppt/slides/slide6.xml><?xml version="1.0" encoding="utf-8"?>
+<p:sld xmlns:a="http://schemas.openxmlformats.org/drawingml/2006/main" xmlns:r="http://schemas.openxmlformats.org/officeDocument/2006/relationships" xmlns:p="http://schemas.openxmlformats.org/presentationml/2006/main">
+  <p:cSld>
+    <p:bg>
+      <p:bgPr>
+        <a:solidFill>
+          <a:schemeClr val="bg1"/>
+        </a:solidFill>
+        <a:effectLst/>
+      </p:bgPr>
+    </p:bg>
+    <p:spTree>
+      <p:nvGrpSpPr>
+        <p:cNvPr id="1" name=""/>
+        <p:cNvGrpSpPr/>
+        <p:nvPr/>
+      </p:nvGrpSpPr>
+      <p:grpSpPr>
+        <a:xfrm>
+          <a:off x="0" y="0"/>
+          <a:ext cx="0" cy="0"/>
+          <a:chOff x="0" y="0"/>
+          <a:chExt cx="0" cy="0"/>
+        </a:xfrm>
+      </p:grpSpPr>
+      <p:pic>
+        <p:nvPicPr>
+          <p:cNvPr id="3" name="Picture 2" descr="A model of a ship&#10;&#10;Description automatically generated with low confidence">
+            <a:extLst>
+              <a:ext uri="{FF2B5EF4-FFF2-40B4-BE49-F238E27FC236}">
+                <a16:creationId xmlns:a16="http://schemas.microsoft.com/office/drawing/2014/main" id="{03A11F6A-948A-B6DE-BE83-41639F984F3A}"/>
+              </a:ext>
+            </a:extLst>
+          </p:cNvPr>
+          <p:cNvPicPr>
+            <a:picLocks noChangeAspect="1"/>
+          </p:cNvPicPr>
+          <p:nvPr/>
+        </p:nvPicPr>
+        <p:blipFill rotWithShape="1">
+          <a:blip r:embed="rId2"/>
+          <a:srcRect l="5390"/>
+          <a:stretch/>
+        </p:blipFill>
+        <p:spPr>
+          <a:xfrm>
+            <a:off x="6015107" y="-1"/>
+            <a:ext cx="6176895" cy="2937954"/>
+          </a:xfrm>
+          <a:prstGeom prst="rect">
+            <a:avLst/>
+          </a:prstGeom>
+        </p:spPr>
+      </p:pic>
+      <p:pic>
+        <p:nvPicPr>
+          <p:cNvPr id="6" name="Picture 5">
+            <a:extLst>
+              <a:ext uri="{FF2B5EF4-FFF2-40B4-BE49-F238E27FC236}">
+                <a16:creationId xmlns:a16="http://schemas.microsoft.com/office/drawing/2014/main" id="{2BE4FB00-9F70-10C0-AAEB-BD8F97C448DC}"/>
+              </a:ext>
+            </a:extLst>
+          </p:cNvPr>
+          <p:cNvPicPr>
+            <a:picLocks noChangeAspect="1"/>
+          </p:cNvPicPr>
+          <p:nvPr/>
+        </p:nvPicPr>
+        <p:blipFill rotWithShape="1">
+          <a:blip r:embed="rId3"/>
+          <a:srcRect l="4567" r="3731"/>
+          <a:stretch/>
+        </p:blipFill>
+        <p:spPr>
+          <a:xfrm>
+            <a:off x="4203638" y="2937953"/>
+            <a:ext cx="7988360" cy="3920047"/>
+          </a:xfrm>
+          <a:prstGeom prst="rect">
+            <a:avLst/>
+          </a:prstGeom>
+        </p:spPr>
+      </p:pic>
+      <p:sp>
+        <p:nvSpPr>
+          <p:cNvPr id="12" name="Freeform: Shape 11">
+            <a:extLst>
+              <a:ext uri="{FF2B5EF4-FFF2-40B4-BE49-F238E27FC236}">
+                <a16:creationId xmlns:a16="http://schemas.microsoft.com/office/drawing/2014/main" id="{8F23F8A3-8FD7-4779-8323-FDC26BE99889}"/>
+              </a:ext>
+              <a:ext uri="{C183D7F6-B498-43B3-948B-1728B52AA6E4}">
+                <adec:decorative xmlns:adec="http://schemas.microsoft.com/office/drawing/2017/decorative" val="1"/>
+              </a:ext>
+            </a:extLst>
+          </p:cNvPr>
+          <p:cNvSpPr>
+            <a:spLocks noGrp="1" noRot="1" noChangeAspect="1" noMove="1" noResize="1" noEditPoints="1" noAdjustHandles="1" noChangeArrowheads="1" noChangeShapeType="1" noTextEdit="1"/>
+          </p:cNvSpPr>
+          <p:nvPr>
+            <p:extLst>
+              <p:ext uri="{386F3935-93C4-4BCD-93E2-E3B085C9AB24}">
+                <p16:designElem xmlns:p16="http://schemas.microsoft.com/office/powerpoint/2015/main" val="1"/>
+              </p:ext>
+            </p:extLst>
+          </p:nvPr>
+        </p:nvSpPr>
+        <p:spPr>
+          <a:xfrm flipV="1">
+            <a:off x="0" y="-478"/>
+            <a:ext cx="7859800" cy="6858478"/>
+          </a:xfrm>
+          <a:custGeom>
+            <a:avLst/>
+            <a:gdLst>
+              <a:gd name="connsiteX0" fmla="*/ 7859800 w 7859800"/>
+              <a:gd name="connsiteY0" fmla="*/ 6858478 h 6858478"/>
+              <a:gd name="connsiteX1" fmla="*/ 435245 w 7859800"/>
+              <a:gd name="connsiteY1" fmla="*/ 6858478 h 6858478"/>
+              <a:gd name="connsiteX2" fmla="*/ 435505 w 7859800"/>
+              <a:gd name="connsiteY2" fmla="*/ 6857916 h 6858478"/>
+              <a:gd name="connsiteX3" fmla="*/ 0 w 7859800"/>
+              <a:gd name="connsiteY3" fmla="*/ 6857916 h 6858478"/>
+              <a:gd name="connsiteX4" fmla="*/ 0 w 7859800"/>
+              <a:gd name="connsiteY4" fmla="*/ 0 h 6858478"/>
+              <a:gd name="connsiteX5" fmla="*/ 3611620 w 7859800"/>
+              <a:gd name="connsiteY5" fmla="*/ 0 h 6858478"/>
+              <a:gd name="connsiteX6" fmla="*/ 4677848 w 7859800"/>
+              <a:gd name="connsiteY6" fmla="*/ 0 h 6858478"/>
+              <a:gd name="connsiteX7" fmla="*/ 4683425 w 7859800"/>
+              <a:gd name="connsiteY7" fmla="*/ 0 h 6858478"/>
+            </a:gdLst>
+            <a:ahLst/>
+            <a:cxnLst>
+              <a:cxn ang="0">
+                <a:pos x="connsiteX0" y="connsiteY0"/>
+              </a:cxn>
+              <a:cxn ang="0">
+                <a:pos x="connsiteX1" y="connsiteY1"/>
+              </a:cxn>
+              <a:cxn ang="0">
+                <a:pos x="connsiteX2" y="connsiteY2"/>
+              </a:cxn>
+              <a:cxn ang="0">
+                <a:pos x="connsiteX3" y="connsiteY3"/>
+              </a:cxn>
+              <a:cxn ang="0">
+                <a:pos x="connsiteX4" y="connsiteY4"/>
+              </a:cxn>
+              <a:cxn ang="0">
+                <a:pos x="connsiteX5" y="connsiteY5"/>
+              </a:cxn>
+              <a:cxn ang="0">
+                <a:pos x="connsiteX6" y="connsiteY6"/>
+              </a:cxn>
+              <a:cxn ang="0">
+                <a:pos x="connsiteX7" y="connsiteY7"/>
+              </a:cxn>
+            </a:cxnLst>
+            <a:rect l="l" t="t" r="r" b="b"/>
+            <a:pathLst>
+              <a:path w="7859800" h="6858478">
+                <a:moveTo>
+                  <a:pt x="7859800" y="6858478"/>
+                </a:moveTo>
+                <a:lnTo>
+                  <a:pt x="435245" y="6858478"/>
+                </a:lnTo>
+                <a:lnTo>
+                  <a:pt x="435505" y="6857916"/>
+                </a:lnTo>
+                <a:lnTo>
+                  <a:pt x="0" y="6857916"/>
+                </a:lnTo>
+                <a:lnTo>
+                  <a:pt x="0" y="0"/>
+                </a:lnTo>
+                <a:lnTo>
+                  <a:pt x="3611620" y="0"/>
+                </a:lnTo>
+                <a:lnTo>
+                  <a:pt x="4677848" y="0"/>
+                </a:lnTo>
+                <a:lnTo>
+                  <a:pt x="4683425" y="0"/>
+                </a:lnTo>
+                <a:close/>
+              </a:path>
+            </a:pathLst>
+          </a:custGeom>
+          <a:solidFill>
+            <a:schemeClr val="bg1">
+              <a:lumMod val="85000"/>
+              <a:lumOff val="15000"/>
+              <a:alpha val="70000"/>
+            </a:schemeClr>
+          </a:solidFill>
+          <a:ln>
+            <a:noFill/>
+          </a:ln>
+        </p:spPr>
+        <p:style>
+          <a:lnRef idx="2">
+            <a:schemeClr val="accent1">
+              <a:shade val="50000"/>
+            </a:schemeClr>
+          </a:lnRef>
+          <a:fillRef idx="1">
+            <a:schemeClr val="accent1"/>
+          </a:fillRef>
+          <a:effectRef idx="0">
+            <a:schemeClr val="accent1"/>
+          </a:effectRef>
+          <a:fontRef idx="minor">
+            <a:schemeClr val="lt1"/>
+          </a:fontRef>
+        </p:style>
+        <p:txBody>
+          <a:bodyPr wrap="square" rtlCol="0" anchor="ctr">
+            <a:noAutofit/>
+          </a:bodyPr>
+          <a:lstStyle/>
+          <a:p>
+            <a:pPr algn="ctr"/>
+            <a:endParaRPr lang="en-US"/>
+          </a:p>
+        </p:txBody>
+      </p:sp>
+      <p:sp>
+        <p:nvSpPr>
+          <p:cNvPr id="14" name="Freeform: Shape 13">
+            <a:extLst>
+              <a:ext uri="{FF2B5EF4-FFF2-40B4-BE49-F238E27FC236}">
+                <a16:creationId xmlns:a16="http://schemas.microsoft.com/office/drawing/2014/main" id="{F605C4CC-A25C-416F-8333-7CB7DC97D870}"/>
+              </a:ext>
+              <a:ext uri="{C183D7F6-B498-43B3-948B-1728B52AA6E4}">
+                <adec:decorative xmlns:adec="http://schemas.microsoft.com/office/drawing/2017/decorative" val="1"/>
+              </a:ext>
+            </a:extLst>
+          </p:cNvPr>
+          <p:cNvSpPr>
+            <a:spLocks noGrp="1" noRot="1" noChangeAspect="1" noMove="1" noResize="1" noEditPoints="1" noAdjustHandles="1" noChangeArrowheads="1" noChangeShapeType="1" noTextEdit="1"/>
+          </p:cNvSpPr>
+          <p:nvPr>
+            <p:extLst>
+              <p:ext uri="{386F3935-93C4-4BCD-93E2-E3B085C9AB24}">
+                <p16:designElem xmlns:p16="http://schemas.microsoft.com/office/powerpoint/2015/main" val="1"/>
+              </p:ext>
+            </p:extLst>
+          </p:nvPr>
+        </p:nvSpPr>
+        <p:spPr>
+          <a:xfrm flipV="1">
+            <a:off x="0" y="-478"/>
+            <a:ext cx="7431174" cy="6858478"/>
+          </a:xfrm>
+          <a:custGeom>
+            <a:avLst/>
+            <a:gdLst>
+              <a:gd name="connsiteX0" fmla="*/ 7431174 w 7431174"/>
+              <a:gd name="connsiteY0" fmla="*/ 6858478 h 6858478"/>
+              <a:gd name="connsiteX1" fmla="*/ 6619 w 7431174"/>
+              <a:gd name="connsiteY1" fmla="*/ 6858478 h 6858478"/>
+              <a:gd name="connsiteX2" fmla="*/ 6879 w 7431174"/>
+              <a:gd name="connsiteY2" fmla="*/ 6857916 h 6858478"/>
+              <a:gd name="connsiteX3" fmla="*/ 0 w 7431174"/>
+              <a:gd name="connsiteY3" fmla="*/ 6857916 h 6858478"/>
+              <a:gd name="connsiteX4" fmla="*/ 0 w 7431174"/>
+              <a:gd name="connsiteY4" fmla="*/ 0 h 6858478"/>
+              <a:gd name="connsiteX5" fmla="*/ 3182994 w 7431174"/>
+              <a:gd name="connsiteY5" fmla="*/ 0 h 6858478"/>
+              <a:gd name="connsiteX6" fmla="*/ 4249222 w 7431174"/>
+              <a:gd name="connsiteY6" fmla="*/ 0 h 6858478"/>
+              <a:gd name="connsiteX7" fmla="*/ 4254799 w 7431174"/>
+              <a:gd name="connsiteY7" fmla="*/ 0 h 6858478"/>
+            </a:gdLst>
+            <a:ahLst/>
+            <a:cxnLst>
+              <a:cxn ang="0">
+                <a:pos x="connsiteX0" y="connsiteY0"/>
+              </a:cxn>
+              <a:cxn ang="0">
+                <a:pos x="connsiteX1" y="connsiteY1"/>
+              </a:cxn>
+              <a:cxn ang="0">
+                <a:pos x="connsiteX2" y="connsiteY2"/>
+              </a:cxn>
+              <a:cxn ang="0">
+                <a:pos x="connsiteX3" y="connsiteY3"/>
+              </a:cxn>
+              <a:cxn ang="0">
+                <a:pos x="connsiteX4" y="connsiteY4"/>
+              </a:cxn>
+              <a:cxn ang="0">
+                <a:pos x="connsiteX5" y="connsiteY5"/>
+              </a:cxn>
+              <a:cxn ang="0">
+                <a:pos x="connsiteX6" y="connsiteY6"/>
+              </a:cxn>
+              <a:cxn ang="0">
+                <a:pos x="connsiteX7" y="connsiteY7"/>
+              </a:cxn>
+            </a:cxnLst>
+            <a:rect l="l" t="t" r="r" b="b"/>
+            <a:pathLst>
+              <a:path w="7431174" h="6858478">
+                <a:moveTo>
+                  <a:pt x="7431174" y="6858478"/>
+                </a:moveTo>
+                <a:lnTo>
+                  <a:pt x="6619" y="6858478"/>
+                </a:lnTo>
+                <a:lnTo>
+                  <a:pt x="6879" y="6857916"/>
+                </a:lnTo>
+                <a:lnTo>
+                  <a:pt x="0" y="6857916"/>
+                </a:lnTo>
+                <a:lnTo>
+                  <a:pt x="0" y="0"/>
+                </a:lnTo>
+                <a:lnTo>
+                  <a:pt x="3182994" y="0"/>
+                </a:lnTo>
+                <a:lnTo>
+                  <a:pt x="4249222" y="0"/>
+                </a:lnTo>
+                <a:lnTo>
+                  <a:pt x="4254799" y="0"/>
+                </a:lnTo>
+                <a:close/>
+              </a:path>
+            </a:pathLst>
+          </a:custGeom>
+          <a:solidFill>
+            <a:schemeClr val="bg1">
+              <a:lumMod val="85000"/>
+              <a:lumOff val="15000"/>
+            </a:schemeClr>
+          </a:solidFill>
+          <a:ln>
+            <a:noFill/>
+          </a:ln>
+        </p:spPr>
+        <p:style>
+          <a:lnRef idx="2">
+            <a:schemeClr val="accent1">
+              <a:shade val="50000"/>
+            </a:schemeClr>
+          </a:lnRef>
+          <a:fillRef idx="1">
+            <a:schemeClr val="accent1"/>
+          </a:fillRef>
+          <a:effectRef idx="0">
+            <a:schemeClr val="accent1"/>
+          </a:effectRef>
+          <a:fontRef idx="minor">
+            <a:schemeClr val="lt1"/>
+          </a:fontRef>
+        </p:style>
+        <p:txBody>
+          <a:bodyPr wrap="square" rtlCol="0" anchor="ctr">
+            <a:noAutofit/>
+          </a:bodyPr>
+          <a:lstStyle/>
+          <a:p>
+            <a:pPr algn="ctr"/>
+            <a:endParaRPr lang="en-US"/>
+          </a:p>
+        </p:txBody>
+      </p:sp>
+      <p:sp>
+        <p:nvSpPr>
+          <p:cNvPr id="4" name="TextBox 3">
+            <a:extLst>
+              <a:ext uri="{FF2B5EF4-FFF2-40B4-BE49-F238E27FC236}">
+                <a16:creationId xmlns:a16="http://schemas.microsoft.com/office/drawing/2014/main" id="{E05477E6-8B07-2086-0986-DF24E19B4E7A}"/>
+              </a:ext>
+            </a:extLst>
+          </p:cNvPr>
+          <p:cNvSpPr txBox="1"/>
+          <p:nvPr/>
+        </p:nvSpPr>
+        <p:spPr>
+          <a:xfrm>
+            <a:off x="804672" y="365125"/>
+            <a:ext cx="5266155" cy="1325563"/>
+          </a:xfrm>
+          <a:prstGeom prst="rect">
+            <a:avLst/>
+          </a:prstGeom>
+        </p:spPr>
+        <p:txBody>
+          <a:bodyPr vert="horz" lIns="91440" tIns="45720" rIns="91440" bIns="45720" rtlCol="0" anchor="ctr">
+            <a:normAutofit lnSpcReduction="10000"/>
+          </a:bodyPr>
+          <a:lstStyle/>
+          <a:p>
+            <a:r>
+              <a:rPr lang="en-US" sz="4400" dirty="0">
+                <a:latin typeface="Corbel" panose="020B0503020204020204" pitchFamily="34" charset="0"/>
+              </a:rPr>
+              <a:t>Innovation project – why is it helpful?</a:t>
+            </a:r>
+          </a:p>
+        </p:txBody>
+      </p:sp>
+      <p:sp>
+        <p:nvSpPr>
+          <p:cNvPr id="7" name="TextBox 6">
+            <a:extLst>
+              <a:ext uri="{FF2B5EF4-FFF2-40B4-BE49-F238E27FC236}">
+                <a16:creationId xmlns:a16="http://schemas.microsoft.com/office/drawing/2014/main" id="{07563563-E94B-AAB6-57CF-8E1CA390F158}"/>
+              </a:ext>
+            </a:extLst>
+          </p:cNvPr>
+          <p:cNvSpPr txBox="1"/>
+          <p:nvPr/>
+        </p:nvSpPr>
+        <p:spPr>
+          <a:xfrm>
+            <a:off x="804672" y="2022601"/>
+            <a:ext cx="3941499" cy="4154361"/>
+          </a:xfrm>
+          <a:prstGeom prst="rect">
+            <a:avLst/>
+          </a:prstGeom>
+        </p:spPr>
+        <p:txBody>
+          <a:bodyPr vert="horz" lIns="91440" tIns="45720" rIns="91440" bIns="45720" rtlCol="0">
+            <a:normAutofit/>
+          </a:bodyPr>
+          <a:lstStyle/>
+          <a:p>
+            <a:pPr algn="just" fontAlgn="base"/>
+            <a:r>
+              <a:rPr lang="en-US" sz="2000" dirty="0">
+                <a:latin typeface="Corbel" panose="020B0503020204020204" pitchFamily="34" charset="0"/>
+              </a:rPr>
+              <a:t>Our innovation project promotes sustainable innovation while coupling together cost-effectiveness and making sustainability and energy available for all.</a:t>
+            </a:r>
+          </a:p>
+        </p:txBody>
+      </p:sp>
+    </p:spTree>
+    <p:extLst>
+      <p:ext uri="{BB962C8B-B14F-4D97-AF65-F5344CB8AC3E}">
+        <p14:creationId xmlns:p14="http://schemas.microsoft.com/office/powerpoint/2010/main" val="432222004"/>
+      </p:ext>
+    </p:extLst>
+  </p:cSld>
+  <p:clrMapOvr>
+    <a:overrideClrMapping bg1="dk1" tx1="lt1" bg2="dk2" tx2="lt2" accent1="accent1" accent2="accent2" accent3="accent3" accent4="accent4" accent5="accent5" accent6="accent6" hlink="hlink" folHlink="folHlink"/>
+  </p:clrMapOvr>
+</p:sld>
+</file>
+
+<file path=ppt/slides/slide60.xml><?xml version="1.0" encoding="utf-8"?>
 <p:sld xmlns:a="http://schemas.openxmlformats.org/drawingml/2006/main" xmlns:r="http://schemas.openxmlformats.org/officeDocument/2006/relationships" xmlns:p="http://schemas.openxmlformats.org/presentationml/2006/main">
   <p:cSld>
     <p:bg>
@@ -9427,8 +10700,8 @@
           </a:p>
         </p:txBody>
       </p:sp>
-      <mc:AlternateContent xmlns:mc="http://schemas.openxmlformats.org/markup-compatibility/2006">
-        <mc:Choice xmlns:pslz="http://schemas.microsoft.com/office/powerpoint/2016/slidezoom" Requires="pslz">
+      <mc:AlternateContent xmlns:mc="http://schemas.openxmlformats.org/markup-compatibility/2006" xmlns:pslz="http://schemas.microsoft.com/office/powerpoint/2016/slidezoom">
+        <mc:Choice Requires="pslz">
           <p:graphicFrame>
             <p:nvGraphicFramePr>
               <p:cNvPr id="7" name="Slide Zoom 6">
@@ -9486,7 +10759,7 @@
             </a:graphic>
           </p:graphicFrame>
         </mc:Choice>
-        <mc:Fallback>
+        <mc:Fallback xmlns="">
           <p:pic>
             <p:nvPicPr>
               <p:cNvPr id="7" name="Slide Zoom 6">
@@ -9503,7 +10776,7 @@
               <p:nvPr/>
             </p:nvPicPr>
             <p:blipFill>
-              <a:blip r:embed="rId2" cstate="print">
+              <a:blip r:embed="rId4" cstate="print">
                 <a:extLst>
                   <a:ext uri="{28A0092B-C50C-407E-A947-70E740481C1C}">
                     <a14:useLocalDpi xmlns:a14="http://schemas.microsoft.com/office/drawing/2010/main" val="0"/>
@@ -9526,8 +10799,8 @@
           </p:pic>
         </mc:Fallback>
       </mc:AlternateContent>
-      <mc:AlternateContent xmlns:mc="http://schemas.openxmlformats.org/markup-compatibility/2006">
-        <mc:Choice xmlns:pslz="http://schemas.microsoft.com/office/powerpoint/2016/slidezoom" Requires="pslz">
+      <mc:AlternateContent xmlns:mc="http://schemas.openxmlformats.org/markup-compatibility/2006" xmlns:pslz="http://schemas.microsoft.com/office/powerpoint/2016/slidezoom">
+        <mc:Choice Requires="pslz">
           <p:graphicFrame>
             <p:nvGraphicFramePr>
               <p:cNvPr id="9" name="Slide Zoom 8">
@@ -9558,7 +10831,7 @@
                   <pslz:sldZmObj sldId="268" cId="1313853198">
                     <pslz:zmPr id="{41B605B6-07FB-4E29-B542-86D3F322436C}" imageType="cover" transitionDur="1000" showBg="0">
                       <p166:blipFill xmlns:p166="http://schemas.microsoft.com/office/powerpoint/2016/6/main">
-                        <a:blip r:embed="rId4" cstate="print">
+                        <a:blip r:embed="rId5" cstate="print">
                           <a:extLst>
                             <a:ext uri="{28A0092B-C50C-407E-A947-70E740481C1C}">
                               <a14:useLocalDpi xmlns:a14="http://schemas.microsoft.com/office/drawing/2010/main" val="0"/>
@@ -9585,11 +10858,11 @@
             </a:graphic>
           </p:graphicFrame>
         </mc:Choice>
-        <mc:Fallback>
+        <mc:Fallback xmlns="">
           <p:pic>
             <p:nvPicPr>
               <p:cNvPr id="9" name="Slide Zoom 8">
-                <a:hlinkClick r:id="rId5" action="ppaction://hlinksldjump"/>
+                <a:hlinkClick r:id="rId6" action="ppaction://hlinksldjump"/>
                 <a:extLst>
                   <a:ext uri="{FF2B5EF4-FFF2-40B4-BE49-F238E27FC236}">
                     <a16:creationId xmlns:a16="http://schemas.microsoft.com/office/drawing/2014/main" id="{E7D8FA3E-9C1B-2CA1-A9B9-EE9034B15368}"/>
@@ -9602,7 +10875,7 @@
               <p:nvPr/>
             </p:nvPicPr>
             <p:blipFill>
-              <a:blip r:embed="rId4" cstate="print">
+              <a:blip r:embed="rId7" cstate="print">
                 <a:extLst>
                   <a:ext uri="{28A0092B-C50C-407E-A947-70E740481C1C}">
                     <a14:useLocalDpi xmlns:a14="http://schemas.microsoft.com/office/drawing/2010/main" val="0"/>
@@ -9625,8 +10898,8 @@
           </p:pic>
         </mc:Fallback>
       </mc:AlternateContent>
-      <mc:AlternateContent xmlns:mc="http://schemas.openxmlformats.org/markup-compatibility/2006">
-        <mc:Choice xmlns:pslz="http://schemas.microsoft.com/office/powerpoint/2016/slidezoom" Requires="pslz">
+      <mc:AlternateContent xmlns:mc="http://schemas.openxmlformats.org/markup-compatibility/2006" xmlns:pslz="http://schemas.microsoft.com/office/powerpoint/2016/slidezoom">
+        <mc:Choice Requires="pslz">
           <p:graphicFrame>
             <p:nvGraphicFramePr>
               <p:cNvPr id="19" name="Slide Zoom 18">
@@ -9657,7 +10930,7 @@
                   <pslz:sldZmObj sldId="269" cId="1621968976">
                     <pslz:zmPr id="{1E624296-C908-4F73-B171-9D7F4B3D6584}" imageType="cover" transitionDur="1000" showBg="0">
                       <p166:blipFill xmlns:p166="http://schemas.microsoft.com/office/powerpoint/2016/6/main">
-                        <a:blip r:embed="rId6" cstate="print">
+                        <a:blip r:embed="rId8" cstate="print">
                           <a:extLst>
                             <a:ext uri="{28A0092B-C50C-407E-A947-70E740481C1C}">
                               <a14:useLocalDpi xmlns:a14="http://schemas.microsoft.com/office/drawing/2010/main" val="0"/>
@@ -9684,11 +10957,11 @@
             </a:graphic>
           </p:graphicFrame>
         </mc:Choice>
-        <mc:Fallback>
+        <mc:Fallback xmlns="">
           <p:pic>
             <p:nvPicPr>
               <p:cNvPr id="19" name="Slide Zoom 18">
-                <a:hlinkClick r:id="rId7" action="ppaction://hlinksldjump"/>
+                <a:hlinkClick r:id="rId9" action="ppaction://hlinksldjump"/>
                 <a:extLst>
                   <a:ext uri="{FF2B5EF4-FFF2-40B4-BE49-F238E27FC236}">
                     <a16:creationId xmlns:a16="http://schemas.microsoft.com/office/drawing/2014/main" id="{F9333355-4380-5F6F-30CD-D497910590D4}"/>
@@ -9701,7 +10974,7 @@
               <p:nvPr/>
             </p:nvPicPr>
             <p:blipFill>
-              <a:blip r:embed="rId6" cstate="print">
+              <a:blip r:embed="rId10" cstate="print">
                 <a:extLst>
                   <a:ext uri="{28A0092B-C50C-407E-A947-70E740481C1C}">
                     <a14:useLocalDpi xmlns:a14="http://schemas.microsoft.com/office/drawing/2010/main" val="0"/>

--- a/Core_values_-_Team_Optimus-1.pptx
+++ b/Core_values_-_Team_Optimus-1.pptx
@@ -5399,11 +5399,11 @@
               </a:spcAft>
             </a:pPr>
             <a:r>
-              <a:rPr lang="en-US" sz="2000" dirty="0">
+              <a:rPr lang="en-US" sz="2400" dirty="0">
                 <a:solidFill>
                   <a:schemeClr val="bg1"/>
                 </a:solidFill>
-                <a:latin typeface="Corbel" panose="020B0503020204020204" pitchFamily="34" charset="0"/>
+                <a:latin typeface="Raleway" pitchFamily="2" charset="0"/>
               </a:rPr>
               <a:t>Teamwork can be described as how all the members of the team cooperate to achieve a successful result. Our team has inculcated the value of teamwork in our project by sharing our work with each other and taking help from each other when we need it.</a:t>
             </a:r>
@@ -5419,11 +5419,11 @@
               <a:buFont typeface="Arial" panose="020B0604020202020204" pitchFamily="34" charset="0"/>
               <a:buChar char="•"/>
             </a:pPr>
-            <a:endParaRPr lang="en-US" sz="2000" dirty="0">
+            <a:endParaRPr lang="en-US" sz="2400" dirty="0">
               <a:solidFill>
                 <a:schemeClr val="bg1"/>
               </a:solidFill>
-              <a:latin typeface="Corbel" panose="020B0503020204020204" pitchFamily="34" charset="0"/>
+              <a:latin typeface="Raleway" pitchFamily="2" charset="0"/>
             </a:endParaRPr>
           </a:p>
         </p:txBody>
